--- a/documents/PresentationConcept.pptx
+++ b/documents/PresentationConcept.pptx
@@ -15,15 +15,15 @@
   <p:notesSz cx="6858000" cy="9144000"/>
   <p:embeddedFontLst>
     <p:embeddedFont>
-      <p:font typeface="Calibri" pitchFamily="34" charset="0"/>
-      <p:regular r:id="rId5"/>
-      <p:bold r:id="rId6"/>
-      <p:italic r:id="rId7"/>
-      <p:boldItalic r:id="rId8"/>
+      <p:font typeface="HelveticaNeueLT Com 95 Blk" pitchFamily="34" charset="0"/>
+      <p:bold r:id="rId5"/>
+      <p:boldItalic r:id="rId6"/>
     </p:embeddedFont>
     <p:embeddedFont>
-      <p:font typeface="HelveticaNeueLT Com 95 Blk" pitchFamily="34" charset="0"/>
-      <p:bold r:id="rId9"/>
+      <p:font typeface="Calibri" pitchFamily="34" charset="0"/>
+      <p:regular r:id="rId7"/>
+      <p:bold r:id="rId8"/>
+      <p:italic r:id="rId9"/>
       <p:boldItalic r:id="rId10"/>
     </p:embeddedFont>
   </p:embeddedFontLst>
@@ -3512,25 +3512,523 @@
           </a:p>
         </p:txBody>
       </p:sp>
-      <p:sp>
-        <p:nvSpPr>
-          <p:cNvPr id="3" name="Subtitle 2"/>
-          <p:cNvSpPr>
-            <a:spLocks noGrp="1"/>
-          </p:cNvSpPr>
-          <p:nvPr>
-            <p:ph type="subTitle" idx="1"/>
-          </p:nvPr>
-        </p:nvSpPr>
-        <p:spPr/>
-        <p:txBody>
-          <a:bodyPr/>
-          <a:lstStyle/>
-          <a:p>
-            <a:endParaRPr lang="en-US"/>
-          </a:p>
-        </p:txBody>
-      </p:sp>
+      <p:graphicFrame>
+        <p:nvGraphicFramePr>
+          <p:cNvPr id="5" name="Table 4"/>
+          <p:cNvGraphicFramePr>
+            <a:graphicFrameLocks noGrp="1"/>
+          </p:cNvGraphicFramePr>
+          <p:nvPr>
+            <p:extLst>
+              <p:ext uri="{D42A27DB-BD31-4B8C-83A1-F6EECF244321}">
+                <p14:modId xmlns:p14="http://schemas.microsoft.com/office/powerpoint/2010/main" val="1215305852"/>
+              </p:ext>
+            </p:extLst>
+          </p:nvPr>
+        </p:nvGraphicFramePr>
+        <p:xfrm>
+          <a:off x="-76200" y="4267200"/>
+          <a:ext cx="9378564" cy="1666240"/>
+        </p:xfrm>
+        <a:graphic>
+          <a:graphicData uri="http://schemas.openxmlformats.org/drawingml/2006/table">
+            <a:tbl>
+              <a:tblPr>
+                <a:tableStyleId>{5C22544A-7EE6-4342-B048-85BDC9FD1C3A}</a:tableStyleId>
+              </a:tblPr>
+              <a:tblGrid>
+                <a:gridCol w="3126188"/>
+                <a:gridCol w="3126188"/>
+                <a:gridCol w="3126188"/>
+              </a:tblGrid>
+              <a:tr h="833120">
+                <a:tc>
+                  <a:txBody>
+                    <a:bodyPr/>
+                    <a:lstStyle/>
+                    <a:p>
+                      <a:pPr marL="0" marR="0" indent="0" algn="ctr" defTabSz="914400" rtl="0" eaLnBrk="1" fontAlgn="auto" latinLnBrk="0" hangingPunct="1">
+                        <a:lnSpc>
+                          <a:spcPct val="100000"/>
+                        </a:lnSpc>
+                        <a:spcBef>
+                          <a:spcPts val="0"/>
+                        </a:spcBef>
+                        <a:spcAft>
+                          <a:spcPts val="0"/>
+                        </a:spcAft>
+                        <a:buClrTx/>
+                        <a:buSzTx/>
+                        <a:buFontTx/>
+                        <a:buNone/>
+                        <a:tabLst/>
+                        <a:defRPr/>
+                      </a:pPr>
+                      <a:r>
+                        <a:rPr lang="en-US" sz="3200" kern="1200" dirty="0" err="1" smtClean="0">
+                          <a:solidFill>
+                            <a:schemeClr val="tx1">
+                              <a:tint val="75000"/>
+                            </a:schemeClr>
+                          </a:solidFill>
+                          <a:latin typeface="Helvetica LT Std Cond" pitchFamily="34" charset="0"/>
+                          <a:ea typeface="+mn-ea"/>
+                          <a:cs typeface="+mn-cs"/>
+                        </a:rPr>
+                        <a:t>Geonathan</a:t>
+                      </a:r>
+                      <a:r>
+                        <a:rPr lang="en-US" sz="3200" kern="1200" dirty="0" smtClean="0">
+                          <a:solidFill>
+                            <a:schemeClr val="tx1">
+                              <a:tint val="75000"/>
+                            </a:schemeClr>
+                          </a:solidFill>
+                          <a:latin typeface="Helvetica LT Std Cond" pitchFamily="34" charset="0"/>
+                          <a:ea typeface="+mn-ea"/>
+                          <a:cs typeface="+mn-cs"/>
+                        </a:rPr>
+                        <a:t> </a:t>
+                      </a:r>
+                      <a:r>
+                        <a:rPr lang="en-US" sz="3200" kern="1200" dirty="0" err="1" smtClean="0">
+                          <a:solidFill>
+                            <a:schemeClr val="tx1">
+                              <a:tint val="75000"/>
+                            </a:schemeClr>
+                          </a:solidFill>
+                          <a:latin typeface="Helvetica LT Std Cond" pitchFamily="34" charset="0"/>
+                          <a:ea typeface="+mn-ea"/>
+                          <a:cs typeface="+mn-cs"/>
+                        </a:rPr>
+                        <a:t>Sena</a:t>
+                      </a:r>
+                      <a:endParaRPr lang="en-US" sz="3200" kern="1200" dirty="0" smtClean="0">
+                        <a:solidFill>
+                          <a:schemeClr val="tx1">
+                            <a:tint val="75000"/>
+                          </a:schemeClr>
+                        </a:solidFill>
+                        <a:latin typeface="Helvetica LT Std Cond" pitchFamily="34" charset="0"/>
+                        <a:ea typeface="+mn-ea"/>
+                        <a:cs typeface="+mn-cs"/>
+                      </a:endParaRPr>
+                    </a:p>
+                  </a:txBody>
+                  <a:tcPr anchor="ctr">
+                    <a:lnL w="12700" cmpd="sng">
+                      <a:noFill/>
+                    </a:lnL>
+                    <a:lnR w="12700" cmpd="sng">
+                      <a:noFill/>
+                    </a:lnR>
+                    <a:lnT w="12700" cmpd="sng">
+                      <a:noFill/>
+                    </a:lnT>
+                    <a:lnB w="38100" cmpd="sng">
+                      <a:noFill/>
+                    </a:lnB>
+                    <a:lnTlToBr w="12700" cmpd="sng">
+                      <a:noFill/>
+                      <a:prstDash val="solid"/>
+                    </a:lnTlToBr>
+                    <a:lnBlToTr w="12700" cmpd="sng">
+                      <a:noFill/>
+                      <a:prstDash val="solid"/>
+                    </a:lnBlToTr>
+                    <a:noFill/>
+                  </a:tcPr>
+                </a:tc>
+                <a:tc>
+                  <a:txBody>
+                    <a:bodyPr/>
+                    <a:lstStyle/>
+                    <a:p>
+                      <a:pPr marL="0" algn="ctr" defTabSz="914400" rtl="0" eaLnBrk="1" latinLnBrk="0" hangingPunct="1"/>
+                      <a:r>
+                        <a:rPr lang="en-US" sz="3600" kern="1200" dirty="0" smtClean="0">
+                          <a:solidFill>
+                            <a:schemeClr val="tx1">
+                              <a:tint val="75000"/>
+                            </a:schemeClr>
+                          </a:solidFill>
+                          <a:effectLst/>
+                          <a:latin typeface="Helvetica LT Std Cond" pitchFamily="34" charset="0"/>
+                          <a:ea typeface="+mn-ea"/>
+                          <a:cs typeface="+mn-cs"/>
+                        </a:rPr>
+                        <a:t>Charles </a:t>
+                      </a:r>
+                      <a:r>
+                        <a:rPr lang="en-US" sz="3600" kern="1200" dirty="0" err="1" smtClean="0">
+                          <a:solidFill>
+                            <a:schemeClr val="tx1">
+                              <a:tint val="75000"/>
+                            </a:schemeClr>
+                          </a:solidFill>
+                          <a:effectLst/>
+                          <a:latin typeface="Helvetica LT Std Cond" pitchFamily="34" charset="0"/>
+                          <a:ea typeface="+mn-ea"/>
+                          <a:cs typeface="+mn-cs"/>
+                        </a:rPr>
+                        <a:t>Madere</a:t>
+                      </a:r>
+                      <a:endParaRPr lang="en-US" sz="3600" kern="1200" dirty="0">
+                        <a:solidFill>
+                          <a:schemeClr val="tx1">
+                            <a:tint val="75000"/>
+                          </a:schemeClr>
+                        </a:solidFill>
+                        <a:effectLst/>
+                        <a:latin typeface="Helvetica LT Std Cond" pitchFamily="34" charset="0"/>
+                        <a:ea typeface="+mn-ea"/>
+                        <a:cs typeface="+mn-cs"/>
+                      </a:endParaRPr>
+                    </a:p>
+                  </a:txBody>
+                  <a:tcPr anchor="ctr">
+                    <a:lnL w="12700" cmpd="sng">
+                      <a:noFill/>
+                    </a:lnL>
+                    <a:lnR w="12700" cmpd="sng">
+                      <a:noFill/>
+                    </a:lnR>
+                    <a:lnT w="12700" cmpd="sng">
+                      <a:noFill/>
+                    </a:lnT>
+                    <a:lnB w="38100" cmpd="sng">
+                      <a:noFill/>
+                    </a:lnB>
+                    <a:lnTlToBr w="12700" cmpd="sng">
+                      <a:noFill/>
+                      <a:prstDash val="solid"/>
+                    </a:lnTlToBr>
+                    <a:lnBlToTr w="12700" cmpd="sng">
+                      <a:noFill/>
+                      <a:prstDash val="solid"/>
+                    </a:lnBlToTr>
+                    <a:noFill/>
+                  </a:tcPr>
+                </a:tc>
+                <a:tc>
+                  <a:txBody>
+                    <a:bodyPr/>
+                    <a:lstStyle/>
+                    <a:p>
+                      <a:pPr marL="0" marR="0" indent="0" algn="ctr" defTabSz="914400" rtl="0" eaLnBrk="1" fontAlgn="auto" latinLnBrk="0" hangingPunct="1">
+                        <a:lnSpc>
+                          <a:spcPct val="100000"/>
+                        </a:lnSpc>
+                        <a:spcBef>
+                          <a:spcPts val="0"/>
+                        </a:spcBef>
+                        <a:spcAft>
+                          <a:spcPts val="0"/>
+                        </a:spcAft>
+                        <a:buClrTx/>
+                        <a:buSzTx/>
+                        <a:buFontTx/>
+                        <a:buNone/>
+                        <a:tabLst/>
+                        <a:defRPr/>
+                      </a:pPr>
+                      <a:r>
+                        <a:rPr lang="en-US" sz="3200" kern="1200" dirty="0" err="1" smtClean="0">
+                          <a:solidFill>
+                            <a:schemeClr val="tx1">
+                              <a:tint val="75000"/>
+                            </a:schemeClr>
+                          </a:solidFill>
+                          <a:latin typeface="Helvetica LT Std Cond" pitchFamily="34" charset="0"/>
+                          <a:ea typeface="+mn-ea"/>
+                          <a:cs typeface="+mn-cs"/>
+                        </a:rPr>
+                        <a:t>Jarrad</a:t>
+                      </a:r>
+                      <a:r>
+                        <a:rPr lang="en-US" sz="3200" kern="1200" dirty="0" smtClean="0">
+                          <a:solidFill>
+                            <a:schemeClr val="tx1">
+                              <a:tint val="75000"/>
+                            </a:schemeClr>
+                          </a:solidFill>
+                          <a:latin typeface="Helvetica LT Std Cond" pitchFamily="34" charset="0"/>
+                          <a:ea typeface="+mn-ea"/>
+                          <a:cs typeface="+mn-cs"/>
+                        </a:rPr>
+                        <a:t> </a:t>
+                      </a:r>
+                      <a:r>
+                        <a:rPr lang="en-US" sz="3200" kern="1200" dirty="0" err="1" smtClean="0">
+                          <a:solidFill>
+                            <a:schemeClr val="tx1">
+                              <a:tint val="75000"/>
+                            </a:schemeClr>
+                          </a:solidFill>
+                          <a:latin typeface="Helvetica LT Std Cond" pitchFamily="34" charset="0"/>
+                          <a:ea typeface="+mn-ea"/>
+                          <a:cs typeface="+mn-cs"/>
+                        </a:rPr>
+                        <a:t>Pinestraw</a:t>
+                      </a:r>
+                      <a:endParaRPr lang="en-US" sz="3200" kern="1200" dirty="0" smtClean="0">
+                        <a:solidFill>
+                          <a:schemeClr val="tx1">
+                            <a:tint val="75000"/>
+                          </a:schemeClr>
+                        </a:solidFill>
+                        <a:latin typeface="Helvetica LT Std Cond" pitchFamily="34" charset="0"/>
+                        <a:ea typeface="+mn-ea"/>
+                        <a:cs typeface="+mn-cs"/>
+                      </a:endParaRPr>
+                    </a:p>
+                  </a:txBody>
+                  <a:tcPr anchor="ctr">
+                    <a:lnL w="12700" cmpd="sng">
+                      <a:noFill/>
+                    </a:lnL>
+                    <a:lnR w="12700" cmpd="sng">
+                      <a:noFill/>
+                    </a:lnR>
+                    <a:lnT w="12700" cmpd="sng">
+                      <a:noFill/>
+                    </a:lnT>
+                    <a:lnB w="38100" cmpd="sng">
+                      <a:noFill/>
+                    </a:lnB>
+                    <a:lnTlToBr w="12700" cmpd="sng">
+                      <a:noFill/>
+                      <a:prstDash val="solid"/>
+                    </a:lnTlToBr>
+                    <a:lnBlToTr w="12700" cmpd="sng">
+                      <a:noFill/>
+                      <a:prstDash val="solid"/>
+                    </a:lnBlToTr>
+                    <a:noFill/>
+                  </a:tcPr>
+                </a:tc>
+              </a:tr>
+              <a:tr h="833120">
+                <a:tc>
+                  <a:txBody>
+                    <a:bodyPr/>
+                    <a:lstStyle/>
+                    <a:p>
+                      <a:pPr marL="0" marR="0" indent="0" algn="ctr" defTabSz="914400" rtl="0" eaLnBrk="1" fontAlgn="auto" latinLnBrk="0" hangingPunct="1">
+                        <a:lnSpc>
+                          <a:spcPct val="100000"/>
+                        </a:lnSpc>
+                        <a:spcBef>
+                          <a:spcPts val="0"/>
+                        </a:spcBef>
+                        <a:spcAft>
+                          <a:spcPts val="0"/>
+                        </a:spcAft>
+                        <a:buClrTx/>
+                        <a:buSzTx/>
+                        <a:buFontTx/>
+                        <a:buNone/>
+                        <a:tabLst/>
+                        <a:defRPr/>
+                      </a:pPr>
+                      <a:r>
+                        <a:rPr lang="en-US" sz="3200" kern="1200" dirty="0" err="1" smtClean="0">
+                          <a:solidFill>
+                            <a:schemeClr val="tx1">
+                              <a:tint val="75000"/>
+                            </a:schemeClr>
+                          </a:solidFill>
+                          <a:latin typeface="Helvetica LT Std Cond" pitchFamily="34" charset="0"/>
+                          <a:ea typeface="+mn-ea"/>
+                          <a:cs typeface="+mn-cs"/>
+                        </a:rPr>
+                        <a:t>Subhanga</a:t>
+                      </a:r>
+                      <a:r>
+                        <a:rPr lang="en-US" sz="3200" kern="1200" dirty="0" smtClean="0">
+                          <a:solidFill>
+                            <a:schemeClr val="tx1">
+                              <a:tint val="75000"/>
+                            </a:schemeClr>
+                          </a:solidFill>
+                          <a:latin typeface="Helvetica LT Std Cond" pitchFamily="34" charset="0"/>
+                          <a:ea typeface="+mn-ea"/>
+                          <a:cs typeface="+mn-cs"/>
+                        </a:rPr>
+                        <a:t> Dixit</a:t>
+                      </a:r>
+                    </a:p>
+                  </a:txBody>
+                  <a:tcPr anchor="ctr">
+                    <a:lnL w="12700" cmpd="sng">
+                      <a:noFill/>
+                    </a:lnL>
+                    <a:lnR w="12700" cmpd="sng">
+                      <a:noFill/>
+                    </a:lnR>
+                    <a:lnT w="38100" cmpd="sng">
+                      <a:noFill/>
+                    </a:lnT>
+                    <a:lnB w="12700" cmpd="sng">
+                      <a:noFill/>
+                    </a:lnB>
+                    <a:lnTlToBr w="12700" cmpd="sng">
+                      <a:noFill/>
+                      <a:prstDash val="solid"/>
+                    </a:lnTlToBr>
+                    <a:lnBlToTr w="12700" cmpd="sng">
+                      <a:noFill/>
+                      <a:prstDash val="solid"/>
+                    </a:lnBlToTr>
+                    <a:noFill/>
+                  </a:tcPr>
+                </a:tc>
+                <a:tc>
+                  <a:txBody>
+                    <a:bodyPr/>
+                    <a:lstStyle/>
+                    <a:p>
+                      <a:pPr marL="0" algn="ctr" defTabSz="914400" rtl="0" eaLnBrk="1" latinLnBrk="0" hangingPunct="1"/>
+                      <a:r>
+                        <a:rPr lang="en-US" sz="3200" kern="1200" dirty="0" smtClean="0">
+                          <a:solidFill>
+                            <a:schemeClr val="tx1">
+                              <a:tint val="75000"/>
+                            </a:schemeClr>
+                          </a:solidFill>
+                          <a:effectLst/>
+                          <a:latin typeface="Helvetica LT Std Cond" pitchFamily="34" charset="0"/>
+                          <a:ea typeface="+mn-ea"/>
+                          <a:cs typeface="+mn-cs"/>
+                        </a:rPr>
+                        <a:t>Tristan Kidder</a:t>
+                      </a:r>
+                      <a:endParaRPr lang="en-US" sz="3200" kern="1200" dirty="0">
+                        <a:solidFill>
+                          <a:schemeClr val="tx1">
+                            <a:tint val="75000"/>
+                          </a:schemeClr>
+                        </a:solidFill>
+                        <a:effectLst/>
+                        <a:latin typeface="Helvetica LT Std Cond" pitchFamily="34" charset="0"/>
+                        <a:ea typeface="+mn-ea"/>
+                        <a:cs typeface="+mn-cs"/>
+                      </a:endParaRPr>
+                    </a:p>
+                  </a:txBody>
+                  <a:tcPr anchor="ctr">
+                    <a:lnL w="12700" cmpd="sng">
+                      <a:noFill/>
+                    </a:lnL>
+                    <a:lnR w="12700" cmpd="sng">
+                      <a:noFill/>
+                    </a:lnR>
+                    <a:lnT w="38100" cmpd="sng">
+                      <a:noFill/>
+                    </a:lnT>
+                    <a:lnB w="12700" cmpd="sng">
+                      <a:noFill/>
+                    </a:lnB>
+                    <a:lnTlToBr w="12700" cmpd="sng">
+                      <a:noFill/>
+                      <a:prstDash val="solid"/>
+                    </a:lnTlToBr>
+                    <a:lnBlToTr w="12700" cmpd="sng">
+                      <a:noFill/>
+                      <a:prstDash val="solid"/>
+                    </a:lnBlToTr>
+                    <a:noFill/>
+                  </a:tcPr>
+                </a:tc>
+                <a:tc>
+                  <a:txBody>
+                    <a:bodyPr/>
+                    <a:lstStyle/>
+                    <a:p>
+                      <a:pPr marL="0" marR="0" indent="0" algn="ctr" defTabSz="914400" rtl="0" eaLnBrk="1" fontAlgn="auto" latinLnBrk="0" hangingPunct="1">
+                        <a:lnSpc>
+                          <a:spcPct val="100000"/>
+                        </a:lnSpc>
+                        <a:spcBef>
+                          <a:spcPts val="0"/>
+                        </a:spcBef>
+                        <a:spcAft>
+                          <a:spcPts val="0"/>
+                        </a:spcAft>
+                        <a:buClrTx/>
+                        <a:buSzTx/>
+                        <a:buFontTx/>
+                        <a:buNone/>
+                        <a:tabLst/>
+                        <a:defRPr/>
+                      </a:pPr>
+                      <a:r>
+                        <a:rPr lang="en-US" sz="3200" kern="1200" dirty="0" smtClean="0">
+                          <a:solidFill>
+                            <a:schemeClr val="tx1">
+                              <a:tint val="75000"/>
+                            </a:schemeClr>
+                          </a:solidFill>
+                          <a:latin typeface="Helvetica LT Std Cond" pitchFamily="34" charset="0"/>
+                          <a:ea typeface="+mn-ea"/>
+                          <a:cs typeface="+mn-cs"/>
+                        </a:rPr>
+                        <a:t>Cory </a:t>
+                      </a:r>
+                      <a:r>
+                        <a:rPr lang="en-US" sz="3200" kern="1200" dirty="0" err="1" smtClean="0">
+                          <a:solidFill>
+                            <a:schemeClr val="tx1">
+                              <a:tint val="75000"/>
+                            </a:schemeClr>
+                          </a:solidFill>
+                          <a:latin typeface="Helvetica LT Std Cond" pitchFamily="34" charset="0"/>
+                          <a:ea typeface="+mn-ea"/>
+                          <a:cs typeface="+mn-cs"/>
+                        </a:rPr>
+                        <a:t>Vicknair</a:t>
+                      </a:r>
+                      <a:endParaRPr lang="en-US" sz="3200" kern="1200" dirty="0" smtClean="0">
+                        <a:solidFill>
+                          <a:schemeClr val="tx1">
+                            <a:tint val="75000"/>
+                          </a:schemeClr>
+                        </a:solidFill>
+                        <a:latin typeface="Helvetica LT Std Cond" pitchFamily="34" charset="0"/>
+                        <a:ea typeface="+mn-ea"/>
+                        <a:cs typeface="+mn-cs"/>
+                      </a:endParaRPr>
+                    </a:p>
+                  </a:txBody>
+                  <a:tcPr anchor="ctr">
+                    <a:lnL w="12700" cmpd="sng">
+                      <a:noFill/>
+                    </a:lnL>
+                    <a:lnR w="12700" cmpd="sng">
+                      <a:noFill/>
+                    </a:lnR>
+                    <a:lnT w="38100" cmpd="sng">
+                      <a:noFill/>
+                    </a:lnT>
+                    <a:lnB w="12700" cmpd="sng">
+                      <a:noFill/>
+                    </a:lnB>
+                    <a:lnTlToBr w="12700" cmpd="sng">
+                      <a:noFill/>
+                      <a:prstDash val="solid"/>
+                    </a:lnTlToBr>
+                    <a:lnBlToTr w="12700" cmpd="sng">
+                      <a:noFill/>
+                      <a:prstDash val="solid"/>
+                    </a:lnBlToTr>
+                    <a:noFill/>
+                  </a:tcPr>
+                </a:tc>
+              </a:tr>
+            </a:tbl>
+          </a:graphicData>
+        </a:graphic>
+      </p:graphicFrame>
     </p:spTree>
     <p:extLst>
       <p:ext uri="{BB962C8B-B14F-4D97-AF65-F5344CB8AC3E}">

--- a/documents/PresentationConcept.pptx
+++ b/documents/PresentationConcept.pptx
@@ -5,26 +5,28 @@
     <p:sldMasterId id="2147483648" r:id="rId1"/>
   </p:sldMasterIdLst>
   <p:handoutMasterIdLst>
-    <p:handoutMasterId r:id="rId4"/>
+    <p:handoutMasterId r:id="rId6"/>
   </p:handoutMasterIdLst>
   <p:sldIdLst>
     <p:sldId id="256" r:id="rId2"/>
     <p:sldId id="257" r:id="rId3"/>
+    <p:sldId id="259" r:id="rId4"/>
+    <p:sldId id="258" r:id="rId5"/>
   </p:sldIdLst>
   <p:sldSz cx="9144000" cy="6858000" type="screen4x3"/>
   <p:notesSz cx="6858000" cy="9144000"/>
   <p:embeddedFontLst>
     <p:embeddedFont>
       <p:font typeface="HelveticaNeueLT Com 95 Blk" pitchFamily="34" charset="0"/>
-      <p:bold r:id="rId5"/>
-      <p:boldItalic r:id="rId6"/>
+      <p:bold r:id="rId7"/>
+      <p:boldItalic r:id="rId8"/>
     </p:embeddedFont>
     <p:embeddedFont>
       <p:font typeface="Calibri" pitchFamily="34" charset="0"/>
-      <p:regular r:id="rId7"/>
-      <p:bold r:id="rId8"/>
-      <p:italic r:id="rId9"/>
-      <p:boldItalic r:id="rId10"/>
+      <p:regular r:id="rId9"/>
+      <p:bold r:id="rId10"/>
+      <p:italic r:id="rId11"/>
+      <p:boldItalic r:id="rId12"/>
     </p:embeddedFont>
   </p:embeddedFontLst>
   <p:defaultTextStyle>
@@ -319,7 +321,7 @@
         </p:nvSpPr>
         <p:spPr>
           <a:xfrm>
-            <a:off x="-76200" y="2130425"/>
+            <a:off x="-76200" y="2130426"/>
             <a:ext cx="9296400" cy="1470025"/>
           </a:xfrm>
           <a:blipFill dpi="0" rotWithShape="1">
@@ -328,7 +330,12 @@
             <a:tile tx="0" ty="0" sx="100000" sy="100000" flip="none" algn="tl"/>
           </a:blipFill>
           <a:effectLst>
-            <a:innerShdw blurRad="114300">
+            <a:glow rad="101600">
+              <a:srgbClr val="8A9AA1">
+                <a:alpha val="52000"/>
+              </a:srgbClr>
+            </a:glow>
+            <a:innerShdw blurRad="406400">
               <a:prstClr val="black"/>
             </a:innerShdw>
           </a:effectLst>
@@ -760,7 +767,7 @@
         </p:nvSpPr>
         <p:spPr>
           <a:xfrm>
-            <a:off x="6629400" y="274638"/>
+            <a:off x="6629400" y="274639"/>
             <a:ext cx="2057400" cy="5851525"/>
           </a:xfrm>
         </p:spPr>
@@ -788,7 +795,7 @@
         </p:nvSpPr>
         <p:spPr>
           <a:xfrm>
-            <a:off x="457200" y="274638"/>
+            <a:off x="457200" y="274639"/>
             <a:ext cx="6019800" cy="5851525"/>
           </a:xfrm>
         </p:spPr>
@@ -940,7 +947,7 @@
         </p:nvSpPr>
         <p:spPr>
           <a:xfrm>
-            <a:off x="-76200" y="274638"/>
+            <a:off x="-76200" y="274639"/>
             <a:ext cx="9296400" cy="1143000"/>
           </a:xfrm>
           <a:blipFill dpi="0" rotWithShape="1">
@@ -949,9 +956,9 @@
             <a:tile tx="0" ty="0" sx="100000" sy="100000" flip="none" algn="tl"/>
           </a:blipFill>
           <a:effectLst>
-            <a:glow rad="63500">
+            <a:glow rad="101600">
               <a:srgbClr val="8A9AA1">
-                <a:alpha val="40000"/>
+                <a:alpha val="52000"/>
               </a:srgbClr>
             </a:glow>
             <a:innerShdw blurRad="406400">
@@ -1175,7 +1182,7 @@
         </p:nvSpPr>
         <p:spPr>
           <a:xfrm>
-            <a:off x="722313" y="4406900"/>
+            <a:off x="722313" y="4406901"/>
             <a:ext cx="7772400" cy="1362075"/>
           </a:xfrm>
         </p:spPr>
@@ -1444,7 +1451,7 @@
         </p:nvSpPr>
         <p:spPr>
           <a:xfrm>
-            <a:off x="457200" y="1600200"/>
+            <a:off x="457200" y="1600201"/>
             <a:ext cx="4038600" cy="4525963"/>
           </a:xfrm>
         </p:spPr>
@@ -1529,7 +1536,7 @@
         </p:nvSpPr>
         <p:spPr>
           <a:xfrm>
-            <a:off x="4648200" y="1600200"/>
+            <a:off x="4648200" y="1600201"/>
             <a:ext cx="4038600" cy="4525963"/>
           </a:xfrm>
         </p:spPr>
@@ -1737,7 +1744,7 @@
         <p:spPr>
           <a:xfrm>
             <a:off x="457200" y="1535113"/>
-            <a:ext cx="4040188" cy="639762"/>
+            <a:ext cx="4040188" cy="639763"/>
           </a:xfrm>
         </p:spPr>
         <p:txBody>
@@ -1886,8 +1893,8 @@
         </p:nvSpPr>
         <p:spPr>
           <a:xfrm>
-            <a:off x="4645025" y="1535113"/>
-            <a:ext cx="4041775" cy="639762"/>
+            <a:off x="4645027" y="1535113"/>
+            <a:ext cx="4041775" cy="639763"/>
           </a:xfrm>
         </p:spPr>
         <p:txBody>
@@ -1951,7 +1958,7 @@
         </p:nvSpPr>
         <p:spPr>
           <a:xfrm>
-            <a:off x="4645025" y="2174875"/>
+            <a:off x="4645027" y="2174875"/>
             <a:ext cx="4041775" cy="3951288"/>
           </a:xfrm>
         </p:spPr>
@@ -2129,81 +2136,56 @@
             <p:ph type="title"/>
           </p:nvPr>
         </p:nvSpPr>
-        <p:spPr/>
-        <p:txBody>
-          <a:bodyPr/>
-          <a:lstStyle/>
-          <a:p>
-            <a:r>
-              <a:rPr lang="en-US" smtClean="0"/>
+        <p:spPr>
+          <a:xfrm>
+            <a:off x="-76200" y="274637"/>
+            <a:ext cx="9296400" cy="6278563"/>
+          </a:xfrm>
+          <a:blipFill dpi="0" rotWithShape="1">
+            <a:blip r:embed="rId2"/>
+            <a:srcRect/>
+            <a:tile tx="0" ty="0" sx="100000" sy="100000" flip="none" algn="tl"/>
+          </a:blipFill>
+          <a:effectLst>
+            <a:glow rad="101600">
+              <a:srgbClr val="8A9AA1">
+                <a:alpha val="52000"/>
+              </a:srgbClr>
+            </a:glow>
+            <a:innerShdw blurRad="1219200">
+              <a:prstClr val="black"/>
+            </a:innerShdw>
+          </a:effectLst>
+        </p:spPr>
+        <p:txBody>
+          <a:bodyPr>
+            <a:normAutofit/>
+          </a:bodyPr>
+          <a:lstStyle>
+            <a:lvl1pPr>
+              <a:defRPr lang="en-US" sz="9600" b="0" strike="noStrike" kern="1200" cap="none" spc="-400" normalizeH="0" baseline="0" dirty="0">
+                <a:solidFill>
+                  <a:schemeClr val="bg1"/>
+                </a:solidFill>
+                <a:effectLst>
+                  <a:outerShdw blurRad="38100" dist="38100" dir="2700000" algn="tl">
+                    <a:srgbClr val="000000">
+                      <a:alpha val="43137"/>
+                    </a:srgbClr>
+                  </a:outerShdw>
+                </a:effectLst>
+                <a:latin typeface="HelveticaNeueLT Com 95 Blk" pitchFamily="34" charset="0"/>
+                <a:ea typeface="+mj-ea"/>
+                <a:cs typeface="+mj-cs"/>
+              </a:defRPr>
+            </a:lvl1pPr>
+          </a:lstStyle>
+          <a:p>
+            <a:r>
+              <a:rPr lang="en-US" dirty="0" smtClean="0"/>
               <a:t>Click to edit Master title style</a:t>
             </a:r>
-            <a:endParaRPr lang="en-US"/>
-          </a:p>
-        </p:txBody>
-      </p:sp>
-      <p:sp>
-        <p:nvSpPr>
-          <p:cNvPr id="3" name="Date Placeholder 2"/>
-          <p:cNvSpPr>
-            <a:spLocks noGrp="1"/>
-          </p:cNvSpPr>
-          <p:nvPr>
-            <p:ph type="dt" sz="half" idx="10"/>
-          </p:nvPr>
-        </p:nvSpPr>
-        <p:spPr/>
-        <p:txBody>
-          <a:bodyPr/>
-          <a:lstStyle/>
-          <a:p>
-            <a:fld id="{9DCBC028-F1E9-4553-A84E-44234CAB717B}" type="datetimeFigureOut">
-              <a:rPr lang="en-US" smtClean="0"/>
-              <a:t>9/9/2012</a:t>
-            </a:fld>
-            <a:endParaRPr lang="en-US"/>
-          </a:p>
-        </p:txBody>
-      </p:sp>
-      <p:sp>
-        <p:nvSpPr>
-          <p:cNvPr id="4" name="Footer Placeholder 3"/>
-          <p:cNvSpPr>
-            <a:spLocks noGrp="1"/>
-          </p:cNvSpPr>
-          <p:nvPr>
-            <p:ph type="ftr" sz="quarter" idx="11"/>
-          </p:nvPr>
-        </p:nvSpPr>
-        <p:spPr/>
-        <p:txBody>
-          <a:bodyPr/>
-          <a:lstStyle/>
-          <a:p>
-            <a:endParaRPr lang="en-US"/>
-          </a:p>
-        </p:txBody>
-      </p:sp>
-      <p:sp>
-        <p:nvSpPr>
-          <p:cNvPr id="5" name="Slide Number Placeholder 4"/>
-          <p:cNvSpPr>
-            <a:spLocks noGrp="1"/>
-          </p:cNvSpPr>
-          <p:nvPr>
-            <p:ph type="sldNum" sz="quarter" idx="12"/>
-          </p:nvPr>
-        </p:nvSpPr>
-        <p:spPr/>
-        <p:txBody>
-          <a:bodyPr/>
-          <a:lstStyle/>
-          <a:p>
-            <a:fld id="{091608B8-B47F-42C6-8A98-4776D4242846}" type="slidenum">
-              <a:rPr lang="en-US" smtClean="0"/>
-              <a:t>‹#›</a:t>
-            </a:fld>
-            <a:endParaRPr lang="en-US"/>
+            <a:endParaRPr lang="en-US" dirty="0"/>
           </a:p>
         </p:txBody>
       </p:sp>
@@ -2344,8 +2326,8 @@
         </p:nvSpPr>
         <p:spPr>
           <a:xfrm>
-            <a:off x="457200" y="273050"/>
-            <a:ext cx="3008313" cy="1162050"/>
+            <a:off x="457202" y="273049"/>
+            <a:ext cx="3008313" cy="1162051"/>
           </a:xfrm>
         </p:spPr>
         <p:txBody>
@@ -2376,7 +2358,7 @@
         </p:nvSpPr>
         <p:spPr>
           <a:xfrm>
-            <a:off x="3575050" y="273050"/>
+            <a:off x="3575050" y="273052"/>
             <a:ext cx="5111750" cy="5853113"/>
           </a:xfrm>
         </p:spPr>
@@ -2461,7 +2443,7 @@
         </p:nvSpPr>
         <p:spPr>
           <a:xfrm>
-            <a:off x="457200" y="1435100"/>
+            <a:off x="457202" y="1435102"/>
             <a:ext cx="3008313" cy="4691063"/>
           </a:xfrm>
         </p:spPr>
@@ -2622,7 +2604,7 @@
         <p:spPr>
           <a:xfrm>
             <a:off x="1792288" y="4800600"/>
-            <a:ext cx="5486400" cy="566738"/>
+            <a:ext cx="5486400" cy="566739"/>
           </a:xfrm>
         </p:spPr>
         <p:txBody>
@@ -2715,7 +2697,7 @@
         <p:spPr>
           <a:xfrm>
             <a:off x="1792288" y="5367338"/>
-            <a:ext cx="5486400" cy="804862"/>
+            <a:ext cx="5486400" cy="804863"/>
           </a:xfrm>
         </p:spPr>
         <p:txBody>
@@ -2886,7 +2868,7 @@
         </p:nvSpPr>
         <p:spPr>
           <a:xfrm>
-            <a:off x="457200" y="274638"/>
+            <a:off x="457200" y="274639"/>
             <a:ext cx="8229600" cy="1143000"/>
           </a:xfrm>
           <a:prstGeom prst="rect">
@@ -2981,7 +2963,7 @@
         </p:nvSpPr>
         <p:spPr>
           <a:xfrm>
-            <a:off x="457200" y="6356350"/>
+            <a:off x="457200" y="6356351"/>
             <a:ext cx="2133600" cy="365125"/>
           </a:xfrm>
           <a:prstGeom prst="rect">
@@ -3024,7 +3006,7 @@
         </p:nvSpPr>
         <p:spPr>
           <a:xfrm>
-            <a:off x="3124200" y="6356350"/>
+            <a:off x="3124200" y="6356351"/>
             <a:ext cx="2895600" cy="365125"/>
           </a:xfrm>
           <a:prstGeom prst="rect">
@@ -3062,7 +3044,7 @@
         </p:nvSpPr>
         <p:spPr>
           <a:xfrm>
-            <a:off x="6553200" y="6356350"/>
+            <a:off x="6553200" y="6356351"/>
             <a:ext cx="2133600" cy="365125"/>
           </a:xfrm>
           <a:prstGeom prst="rect">
@@ -3505,7 +3487,7 @@
           <a:lstStyle/>
           <a:p>
             <a:r>
-              <a:rPr lang="en-US" dirty="0" smtClean="0"/>
+              <a:rPr lang="en-US" smtClean="0"/>
               <a:t>Classy Games</a:t>
             </a:r>
             <a:endParaRPr lang="en-US" dirty="0"/>
@@ -3521,14 +3503,14 @@
           <p:nvPr>
             <p:extLst>
               <p:ext uri="{D42A27DB-BD31-4B8C-83A1-F6EECF244321}">
-                <p14:modId xmlns:p14="http://schemas.microsoft.com/office/powerpoint/2010/main" val="1215305852"/>
+                <p14:modId xmlns:p14="http://schemas.microsoft.com/office/powerpoint/2010/main" val="3425987946"/>
               </p:ext>
             </p:extLst>
           </p:nvPr>
         </p:nvGraphicFramePr>
         <p:xfrm>
           <a:off x="-76200" y="4267200"/>
-          <a:ext cx="9378564" cy="1666240"/>
+          <a:ext cx="9378564" cy="1828800"/>
         </p:xfrm>
         <a:graphic>
           <a:graphicData uri="http://schemas.openxmlformats.org/drawingml/2006/table">
@@ -3541,7 +3523,7 @@
                 <a:gridCol w="3126188"/>
                 <a:gridCol w="3126188"/>
               </a:tblGrid>
-              <a:tr h="833120">
+              <a:tr h="914400">
                 <a:tc>
                   <a:txBody>
                     <a:bodyPr/>
@@ -3808,7 +3790,7 @@
                   </a:tcPr>
                 </a:tc>
               </a:tr>
-              <a:tr h="833120">
+              <a:tr h="914400">
                 <a:tc>
                   <a:txBody>
                     <a:bodyPr/>
@@ -4039,6 +4021,18 @@
   <p:clrMapOvr>
     <a:masterClrMapping/>
   </p:clrMapOvr>
+  <mc:AlternateContent xmlns:mc="http://schemas.openxmlformats.org/markup-compatibility/2006">
+    <mc:Choice xmlns:p14="http://schemas.microsoft.com/office/powerpoint/2010/main" Requires="p14">
+      <p:transition spd="med" p14:dur="700">
+        <p:fade/>
+      </p:transition>
+    </mc:Choice>
+    <mc:Fallback>
+      <p:transition spd="med">
+        <p:fade/>
+      </p:transition>
+    </mc:Fallback>
+  </mc:AlternateContent>
   <p:timing>
     <p:tnLst>
       <p:par>
@@ -4161,6 +4155,143 @@
     <p:extLst>
       <p:ext uri="{BB962C8B-B14F-4D97-AF65-F5344CB8AC3E}">
         <p14:creationId xmlns:p14="http://schemas.microsoft.com/office/powerpoint/2010/main" val="1126992223"/>
+      </p:ext>
+    </p:extLst>
+  </p:cSld>
+  <p:clrMapOvr>
+    <a:masterClrMapping/>
+  </p:clrMapOvr>
+  <p:timing>
+    <p:tnLst>
+      <p:par>
+        <p:cTn id="1" dur="indefinite" restart="never" nodeType="tmRoot"/>
+      </p:par>
+    </p:tnLst>
+  </p:timing>
+</p:sld>
+</file>
+
+<file path=ppt/slides/slide3.xml><?xml version="1.0" encoding="utf-8"?>
+<p:sld xmlns:a="http://schemas.openxmlformats.org/drawingml/2006/main" xmlns:r="http://schemas.openxmlformats.org/officeDocument/2006/relationships" xmlns:p="http://schemas.openxmlformats.org/presentationml/2006/main">
+  <p:cSld>
+    <p:spTree>
+      <p:nvGrpSpPr>
+        <p:cNvPr id="1" name=""/>
+        <p:cNvGrpSpPr/>
+        <p:nvPr/>
+      </p:nvGrpSpPr>
+      <p:grpSpPr>
+        <a:xfrm>
+          <a:off x="0" y="0"/>
+          <a:ext cx="0" cy="0"/>
+          <a:chOff x="0" y="0"/>
+          <a:chExt cx="0" cy="0"/>
+        </a:xfrm>
+      </p:grpSpPr>
+      <p:sp>
+        <p:nvSpPr>
+          <p:cNvPr id="2" name="Title 1"/>
+          <p:cNvSpPr>
+            <a:spLocks noGrp="1"/>
+          </p:cNvSpPr>
+          <p:nvPr>
+            <p:ph type="title"/>
+          </p:nvPr>
+        </p:nvSpPr>
+        <p:spPr/>
+        <p:txBody>
+          <a:bodyPr/>
+          <a:lstStyle/>
+          <a:p>
+            <a:endParaRPr lang="en-US"/>
+          </a:p>
+        </p:txBody>
+      </p:sp>
+      <p:sp>
+        <p:nvSpPr>
+          <p:cNvPr id="3" name="Content Placeholder 2"/>
+          <p:cNvSpPr>
+            <a:spLocks noGrp="1"/>
+          </p:cNvSpPr>
+          <p:nvPr>
+            <p:ph idx="1"/>
+          </p:nvPr>
+        </p:nvSpPr>
+        <p:spPr/>
+        <p:txBody>
+          <a:bodyPr/>
+          <a:lstStyle/>
+          <a:p>
+            <a:endParaRPr lang="en-US"/>
+          </a:p>
+        </p:txBody>
+      </p:sp>
+    </p:spTree>
+    <p:extLst>
+      <p:ext uri="{BB962C8B-B14F-4D97-AF65-F5344CB8AC3E}">
+        <p14:creationId xmlns:p14="http://schemas.microsoft.com/office/powerpoint/2010/main" val="2997103397"/>
+      </p:ext>
+    </p:extLst>
+  </p:cSld>
+  <p:clrMapOvr>
+    <a:masterClrMapping/>
+  </p:clrMapOvr>
+  <p:timing>
+    <p:tnLst>
+      <p:par>
+        <p:cTn id="1" dur="indefinite" restart="never" nodeType="tmRoot"/>
+      </p:par>
+    </p:tnLst>
+  </p:timing>
+</p:sld>
+</file>
+
+<file path=ppt/slides/slide4.xml><?xml version="1.0" encoding="utf-8"?>
+<p:sld xmlns:a="http://schemas.openxmlformats.org/drawingml/2006/main" xmlns:r="http://schemas.openxmlformats.org/officeDocument/2006/relationships" xmlns:p="http://schemas.openxmlformats.org/presentationml/2006/main">
+  <p:cSld>
+    <p:spTree>
+      <p:nvGrpSpPr>
+        <p:cNvPr id="1" name=""/>
+        <p:cNvGrpSpPr/>
+        <p:nvPr/>
+      </p:nvGrpSpPr>
+      <p:grpSpPr>
+        <a:xfrm>
+          <a:off x="0" y="0"/>
+          <a:ext cx="0" cy="0"/>
+          <a:chOff x="0" y="0"/>
+          <a:chExt cx="0" cy="0"/>
+        </a:xfrm>
+      </p:grpSpPr>
+      <p:sp>
+        <p:nvSpPr>
+          <p:cNvPr id="2" name="Title 1"/>
+          <p:cNvSpPr>
+            <a:spLocks noGrp="1"/>
+          </p:cNvSpPr>
+          <p:nvPr>
+            <p:ph type="title"/>
+          </p:nvPr>
+        </p:nvSpPr>
+        <p:spPr/>
+        <p:txBody>
+          <a:bodyPr>
+            <a:normAutofit/>
+          </a:bodyPr>
+          <a:lstStyle/>
+          <a:p>
+            <a:r>
+              <a:rPr lang="en-US" sz="25600" dirty="0" smtClean="0"/>
+              <a:t>?</a:t>
+            </a:r>
+            <a:endParaRPr lang="en-US" sz="25600" dirty="0"/>
+          </a:p>
+        </p:txBody>
+      </p:sp>
+    </p:spTree>
+    <p:extLst>
+      <p:ext uri="{BB962C8B-B14F-4D97-AF65-F5344CB8AC3E}">
+        <p14:creationId xmlns:p14="http://schemas.microsoft.com/office/powerpoint/2010/main" val="3221839062"/>
       </p:ext>
     </p:extLst>
   </p:cSld>

--- a/documents/PresentationConcept.pptx
+++ b/documents/PresentationConcept.pptx
@@ -4,29 +4,33 @@
   <p:sldMasterIdLst>
     <p:sldMasterId id="2147483648" r:id="rId1"/>
   </p:sldMasterIdLst>
+  <p:notesMasterIdLst>
+    <p:notesMasterId r:id="rId7"/>
+  </p:notesMasterIdLst>
   <p:handoutMasterIdLst>
-    <p:handoutMasterId r:id="rId6"/>
+    <p:handoutMasterId r:id="rId8"/>
   </p:handoutMasterIdLst>
   <p:sldIdLst>
     <p:sldId id="256" r:id="rId2"/>
     <p:sldId id="257" r:id="rId3"/>
     <p:sldId id="259" r:id="rId4"/>
-    <p:sldId id="258" r:id="rId5"/>
+    <p:sldId id="260" r:id="rId5"/>
+    <p:sldId id="258" r:id="rId6"/>
   </p:sldIdLst>
   <p:sldSz cx="9144000" cy="6858000" type="screen4x3"/>
   <p:notesSz cx="6858000" cy="9144000"/>
   <p:embeddedFontLst>
-    <p:embeddedFont>
-      <p:font typeface="HelveticaNeueLT Com 95 Blk" pitchFamily="34" charset="0"/>
-      <p:bold r:id="rId7"/>
-      <p:boldItalic r:id="rId8"/>
-    </p:embeddedFont>
     <p:embeddedFont>
       <p:font typeface="Calibri" pitchFamily="34" charset="0"/>
       <p:regular r:id="rId9"/>
       <p:bold r:id="rId10"/>
       <p:italic r:id="rId11"/>
       <p:boldItalic r:id="rId12"/>
+    </p:embeddedFont>
+    <p:embeddedFont>
+      <p:font typeface="HelveticaNeueLT Com 95 Blk" pitchFamily="34" charset="0"/>
+      <p:bold r:id="rId13"/>
+      <p:boldItalic r:id="rId14"/>
     </p:embeddedFont>
   </p:embeddedFontLst>
   <p:defaultTextStyle>
@@ -209,7 +213,7 @@
           <a:p>
             <a:fld id="{04128FA3-ED37-4E11-8DE7-F364F9B6A4BC}" type="datetimeFigureOut">
               <a:rPr lang="en-US" smtClean="0"/>
-              <a:t>9/9/2012</a:t>
+              <a:t>9/10/2012</a:t>
             </a:fld>
             <a:endParaRPr lang="en-US"/>
           </a:p>
@@ -290,6 +294,440 @@
   </p:cSld>
   <p:clrMap bg1="lt1" tx1="dk1" bg2="lt2" tx2="dk2" accent1="accent1" accent2="accent2" accent3="accent3" accent4="accent4" accent5="accent5" accent6="accent6" hlink="hlink" folHlink="folHlink"/>
 </p:handoutMaster>
+</file>
+
+<file path=ppt/notesMasters/notesMaster1.xml><?xml version="1.0" encoding="utf-8"?>
+<p:notesMaster xmlns:a="http://schemas.openxmlformats.org/drawingml/2006/main" xmlns:r="http://schemas.openxmlformats.org/officeDocument/2006/relationships" xmlns:p="http://schemas.openxmlformats.org/presentationml/2006/main">
+  <p:cSld>
+    <p:bg>
+      <p:bgRef idx="1001">
+        <a:schemeClr val="bg1"/>
+      </p:bgRef>
+    </p:bg>
+    <p:spTree>
+      <p:nvGrpSpPr>
+        <p:cNvPr id="1" name=""/>
+        <p:cNvGrpSpPr/>
+        <p:nvPr/>
+      </p:nvGrpSpPr>
+      <p:grpSpPr>
+        <a:xfrm>
+          <a:off x="0" y="0"/>
+          <a:ext cx="0" cy="0"/>
+          <a:chOff x="0" y="0"/>
+          <a:chExt cx="0" cy="0"/>
+        </a:xfrm>
+      </p:grpSpPr>
+      <p:sp>
+        <p:nvSpPr>
+          <p:cNvPr id="2" name="Header Placeholder 1"/>
+          <p:cNvSpPr>
+            <a:spLocks noGrp="1"/>
+          </p:cNvSpPr>
+          <p:nvPr>
+            <p:ph type="hdr" sz="quarter"/>
+          </p:nvPr>
+        </p:nvSpPr>
+        <p:spPr>
+          <a:xfrm>
+            <a:off x="0" y="0"/>
+            <a:ext cx="2971800" cy="457200"/>
+          </a:xfrm>
+          <a:prstGeom prst="rect">
+            <a:avLst/>
+          </a:prstGeom>
+        </p:spPr>
+        <p:txBody>
+          <a:bodyPr vert="horz" lIns="91440" tIns="45720" rIns="91440" bIns="45720" rtlCol="0"/>
+          <a:lstStyle>
+            <a:lvl1pPr algn="l">
+              <a:defRPr sz="1200"/>
+            </a:lvl1pPr>
+          </a:lstStyle>
+          <a:p>
+            <a:endParaRPr lang="en-US"/>
+          </a:p>
+        </p:txBody>
+      </p:sp>
+      <p:sp>
+        <p:nvSpPr>
+          <p:cNvPr id="3" name="Date Placeholder 2"/>
+          <p:cNvSpPr>
+            <a:spLocks noGrp="1"/>
+          </p:cNvSpPr>
+          <p:nvPr>
+            <p:ph type="dt" idx="1"/>
+          </p:nvPr>
+        </p:nvSpPr>
+        <p:spPr>
+          <a:xfrm>
+            <a:off x="3884613" y="0"/>
+            <a:ext cx="2971800" cy="457200"/>
+          </a:xfrm>
+          <a:prstGeom prst="rect">
+            <a:avLst/>
+          </a:prstGeom>
+        </p:spPr>
+        <p:txBody>
+          <a:bodyPr vert="horz" lIns="91440" tIns="45720" rIns="91440" bIns="45720" rtlCol="0"/>
+          <a:lstStyle>
+            <a:lvl1pPr algn="r">
+              <a:defRPr sz="1200"/>
+            </a:lvl1pPr>
+          </a:lstStyle>
+          <a:p>
+            <a:fld id="{3E901B62-3B7B-4E80-87CF-715E0AB68DE5}" type="datetimeFigureOut">
+              <a:rPr lang="en-US" smtClean="0"/>
+              <a:t>9/10/2012</a:t>
+            </a:fld>
+            <a:endParaRPr lang="en-US"/>
+          </a:p>
+        </p:txBody>
+      </p:sp>
+      <p:sp>
+        <p:nvSpPr>
+          <p:cNvPr id="4" name="Slide Image Placeholder 3"/>
+          <p:cNvSpPr>
+            <a:spLocks noGrp="1" noRot="1" noChangeAspect="1"/>
+          </p:cNvSpPr>
+          <p:nvPr>
+            <p:ph type="sldImg" idx="2"/>
+          </p:nvPr>
+        </p:nvSpPr>
+        <p:spPr>
+          <a:xfrm>
+            <a:off x="1143000" y="685800"/>
+            <a:ext cx="4572000" cy="3429000"/>
+          </a:xfrm>
+          <a:prstGeom prst="rect">
+            <a:avLst/>
+          </a:prstGeom>
+          <a:noFill/>
+          <a:ln w="12700">
+            <a:solidFill>
+              <a:prstClr val="black"/>
+            </a:solidFill>
+          </a:ln>
+        </p:spPr>
+        <p:txBody>
+          <a:bodyPr vert="horz" lIns="91440" tIns="45720" rIns="91440" bIns="45720" rtlCol="0" anchor="ctr"/>
+          <a:lstStyle/>
+          <a:p>
+            <a:endParaRPr lang="en-US"/>
+          </a:p>
+        </p:txBody>
+      </p:sp>
+      <p:sp>
+        <p:nvSpPr>
+          <p:cNvPr id="5" name="Notes Placeholder 4"/>
+          <p:cNvSpPr>
+            <a:spLocks noGrp="1"/>
+          </p:cNvSpPr>
+          <p:nvPr>
+            <p:ph type="body" sz="quarter" idx="3"/>
+          </p:nvPr>
+        </p:nvSpPr>
+        <p:spPr>
+          <a:xfrm>
+            <a:off x="685800" y="4343400"/>
+            <a:ext cx="5486400" cy="4114800"/>
+          </a:xfrm>
+          <a:prstGeom prst="rect">
+            <a:avLst/>
+          </a:prstGeom>
+        </p:spPr>
+        <p:txBody>
+          <a:bodyPr vert="horz" lIns="91440" tIns="45720" rIns="91440" bIns="45720" rtlCol="0"/>
+          <a:lstStyle/>
+          <a:p>
+            <a:pPr lvl="0"/>
+            <a:r>
+              <a:rPr lang="en-US" smtClean="0"/>
+              <a:t>Click to edit Master text styles</a:t>
+            </a:r>
+          </a:p>
+          <a:p>
+            <a:pPr lvl="1"/>
+            <a:r>
+              <a:rPr lang="en-US" smtClean="0"/>
+              <a:t>Second level</a:t>
+            </a:r>
+          </a:p>
+          <a:p>
+            <a:pPr lvl="2"/>
+            <a:r>
+              <a:rPr lang="en-US" smtClean="0"/>
+              <a:t>Third level</a:t>
+            </a:r>
+          </a:p>
+          <a:p>
+            <a:pPr lvl="3"/>
+            <a:r>
+              <a:rPr lang="en-US" smtClean="0"/>
+              <a:t>Fourth level</a:t>
+            </a:r>
+          </a:p>
+          <a:p>
+            <a:pPr lvl="4"/>
+            <a:r>
+              <a:rPr lang="en-US" smtClean="0"/>
+              <a:t>Fifth level</a:t>
+            </a:r>
+            <a:endParaRPr lang="en-US"/>
+          </a:p>
+        </p:txBody>
+      </p:sp>
+      <p:sp>
+        <p:nvSpPr>
+          <p:cNvPr id="6" name="Footer Placeholder 5"/>
+          <p:cNvSpPr>
+            <a:spLocks noGrp="1"/>
+          </p:cNvSpPr>
+          <p:nvPr>
+            <p:ph type="ftr" sz="quarter" idx="4"/>
+          </p:nvPr>
+        </p:nvSpPr>
+        <p:spPr>
+          <a:xfrm>
+            <a:off x="0" y="8685213"/>
+            <a:ext cx="2971800" cy="457200"/>
+          </a:xfrm>
+          <a:prstGeom prst="rect">
+            <a:avLst/>
+          </a:prstGeom>
+        </p:spPr>
+        <p:txBody>
+          <a:bodyPr vert="horz" lIns="91440" tIns="45720" rIns="91440" bIns="45720" rtlCol="0" anchor="b"/>
+          <a:lstStyle>
+            <a:lvl1pPr algn="l">
+              <a:defRPr sz="1200"/>
+            </a:lvl1pPr>
+          </a:lstStyle>
+          <a:p>
+            <a:endParaRPr lang="en-US"/>
+          </a:p>
+        </p:txBody>
+      </p:sp>
+      <p:sp>
+        <p:nvSpPr>
+          <p:cNvPr id="7" name="Slide Number Placeholder 6"/>
+          <p:cNvSpPr>
+            <a:spLocks noGrp="1"/>
+          </p:cNvSpPr>
+          <p:nvPr>
+            <p:ph type="sldNum" sz="quarter" idx="5"/>
+          </p:nvPr>
+        </p:nvSpPr>
+        <p:spPr>
+          <a:xfrm>
+            <a:off x="3884613" y="8685213"/>
+            <a:ext cx="2971800" cy="457200"/>
+          </a:xfrm>
+          <a:prstGeom prst="rect">
+            <a:avLst/>
+          </a:prstGeom>
+        </p:spPr>
+        <p:txBody>
+          <a:bodyPr vert="horz" lIns="91440" tIns="45720" rIns="91440" bIns="45720" rtlCol="0" anchor="b"/>
+          <a:lstStyle>
+            <a:lvl1pPr algn="r">
+              <a:defRPr sz="1200"/>
+            </a:lvl1pPr>
+          </a:lstStyle>
+          <a:p>
+            <a:fld id="{163D198A-A212-4D83-ADE7-1628D822FB74}" type="slidenum">
+              <a:rPr lang="en-US" smtClean="0"/>
+              <a:t>‹#›</a:t>
+            </a:fld>
+            <a:endParaRPr lang="en-US"/>
+          </a:p>
+        </p:txBody>
+      </p:sp>
+    </p:spTree>
+    <p:extLst>
+      <p:ext uri="{BB962C8B-B14F-4D97-AF65-F5344CB8AC3E}">
+        <p14:creationId xmlns:p14="http://schemas.microsoft.com/office/powerpoint/2010/main" val="1106412264"/>
+      </p:ext>
+    </p:extLst>
+  </p:cSld>
+  <p:clrMap bg1="lt1" tx1="dk1" bg2="lt2" tx2="dk2" accent1="accent1" accent2="accent2" accent3="accent3" accent4="accent4" accent5="accent5" accent6="accent6" hlink="hlink" folHlink="folHlink"/>
+  <p:notesStyle>
+    <a:lvl1pPr marL="0" algn="l" defTabSz="914400" rtl="0" eaLnBrk="1" latinLnBrk="0" hangingPunct="1">
+      <a:defRPr sz="1200" kern="1200">
+        <a:solidFill>
+          <a:schemeClr val="tx1"/>
+        </a:solidFill>
+        <a:latin typeface="+mn-lt"/>
+        <a:ea typeface="+mn-ea"/>
+        <a:cs typeface="+mn-cs"/>
+      </a:defRPr>
+    </a:lvl1pPr>
+    <a:lvl2pPr marL="457200" algn="l" defTabSz="914400" rtl="0" eaLnBrk="1" latinLnBrk="0" hangingPunct="1">
+      <a:defRPr sz="1200" kern="1200">
+        <a:solidFill>
+          <a:schemeClr val="tx1"/>
+        </a:solidFill>
+        <a:latin typeface="+mn-lt"/>
+        <a:ea typeface="+mn-ea"/>
+        <a:cs typeface="+mn-cs"/>
+      </a:defRPr>
+    </a:lvl2pPr>
+    <a:lvl3pPr marL="914400" algn="l" defTabSz="914400" rtl="0" eaLnBrk="1" latinLnBrk="0" hangingPunct="1">
+      <a:defRPr sz="1200" kern="1200">
+        <a:solidFill>
+          <a:schemeClr val="tx1"/>
+        </a:solidFill>
+        <a:latin typeface="+mn-lt"/>
+        <a:ea typeface="+mn-ea"/>
+        <a:cs typeface="+mn-cs"/>
+      </a:defRPr>
+    </a:lvl3pPr>
+    <a:lvl4pPr marL="1371600" algn="l" defTabSz="914400" rtl="0" eaLnBrk="1" latinLnBrk="0" hangingPunct="1">
+      <a:defRPr sz="1200" kern="1200">
+        <a:solidFill>
+          <a:schemeClr val="tx1"/>
+        </a:solidFill>
+        <a:latin typeface="+mn-lt"/>
+        <a:ea typeface="+mn-ea"/>
+        <a:cs typeface="+mn-cs"/>
+      </a:defRPr>
+    </a:lvl4pPr>
+    <a:lvl5pPr marL="1828800" algn="l" defTabSz="914400" rtl="0" eaLnBrk="1" latinLnBrk="0" hangingPunct="1">
+      <a:defRPr sz="1200" kern="1200">
+        <a:solidFill>
+          <a:schemeClr val="tx1"/>
+        </a:solidFill>
+        <a:latin typeface="+mn-lt"/>
+        <a:ea typeface="+mn-ea"/>
+        <a:cs typeface="+mn-cs"/>
+      </a:defRPr>
+    </a:lvl5pPr>
+    <a:lvl6pPr marL="2286000" algn="l" defTabSz="914400" rtl="0" eaLnBrk="1" latinLnBrk="0" hangingPunct="1">
+      <a:defRPr sz="1200" kern="1200">
+        <a:solidFill>
+          <a:schemeClr val="tx1"/>
+        </a:solidFill>
+        <a:latin typeface="+mn-lt"/>
+        <a:ea typeface="+mn-ea"/>
+        <a:cs typeface="+mn-cs"/>
+      </a:defRPr>
+    </a:lvl6pPr>
+    <a:lvl7pPr marL="2743200" algn="l" defTabSz="914400" rtl="0" eaLnBrk="1" latinLnBrk="0" hangingPunct="1">
+      <a:defRPr sz="1200" kern="1200">
+        <a:solidFill>
+          <a:schemeClr val="tx1"/>
+        </a:solidFill>
+        <a:latin typeface="+mn-lt"/>
+        <a:ea typeface="+mn-ea"/>
+        <a:cs typeface="+mn-cs"/>
+      </a:defRPr>
+    </a:lvl7pPr>
+    <a:lvl8pPr marL="3200400" algn="l" defTabSz="914400" rtl="0" eaLnBrk="1" latinLnBrk="0" hangingPunct="1">
+      <a:defRPr sz="1200" kern="1200">
+        <a:solidFill>
+          <a:schemeClr val="tx1"/>
+        </a:solidFill>
+        <a:latin typeface="+mn-lt"/>
+        <a:ea typeface="+mn-ea"/>
+        <a:cs typeface="+mn-cs"/>
+      </a:defRPr>
+    </a:lvl8pPr>
+    <a:lvl9pPr marL="3657600" algn="l" defTabSz="914400" rtl="0" eaLnBrk="1" latinLnBrk="0" hangingPunct="1">
+      <a:defRPr sz="1200" kern="1200">
+        <a:solidFill>
+          <a:schemeClr val="tx1"/>
+        </a:solidFill>
+        <a:latin typeface="+mn-lt"/>
+        <a:ea typeface="+mn-ea"/>
+        <a:cs typeface="+mn-cs"/>
+      </a:defRPr>
+    </a:lvl9pPr>
+  </p:notesStyle>
+</p:notesMaster>
+</file>
+
+<file path=ppt/notesSlides/notesSlide1.xml><?xml version="1.0" encoding="utf-8"?>
+<p:notes xmlns:a="http://schemas.openxmlformats.org/drawingml/2006/main" xmlns:r="http://schemas.openxmlformats.org/officeDocument/2006/relationships" xmlns:p="http://schemas.openxmlformats.org/presentationml/2006/main">
+  <p:cSld>
+    <p:spTree>
+      <p:nvGrpSpPr>
+        <p:cNvPr id="1" name=""/>
+        <p:cNvGrpSpPr/>
+        <p:nvPr/>
+      </p:nvGrpSpPr>
+      <p:grpSpPr>
+        <a:xfrm>
+          <a:off x="0" y="0"/>
+          <a:ext cx="0" cy="0"/>
+          <a:chOff x="0" y="0"/>
+          <a:chExt cx="0" cy="0"/>
+        </a:xfrm>
+      </p:grpSpPr>
+      <p:sp>
+        <p:nvSpPr>
+          <p:cNvPr id="2" name="Slide Image Placeholder 1"/>
+          <p:cNvSpPr>
+            <a:spLocks noGrp="1" noRot="1" noChangeAspect="1"/>
+          </p:cNvSpPr>
+          <p:nvPr>
+            <p:ph type="sldImg"/>
+          </p:nvPr>
+        </p:nvSpPr>
+        <p:spPr/>
+      </p:sp>
+      <p:sp>
+        <p:nvSpPr>
+          <p:cNvPr id="3" name="Notes Placeholder 2"/>
+          <p:cNvSpPr>
+            <a:spLocks noGrp="1"/>
+          </p:cNvSpPr>
+          <p:nvPr>
+            <p:ph type="body" idx="1"/>
+          </p:nvPr>
+        </p:nvSpPr>
+        <p:spPr/>
+        <p:txBody>
+          <a:bodyPr/>
+          <a:lstStyle/>
+          <a:p>
+            <a:endParaRPr lang="en-US" dirty="0"/>
+          </a:p>
+        </p:txBody>
+      </p:sp>
+      <p:sp>
+        <p:nvSpPr>
+          <p:cNvPr id="4" name="Slide Number Placeholder 3"/>
+          <p:cNvSpPr>
+            <a:spLocks noGrp="1"/>
+          </p:cNvSpPr>
+          <p:nvPr>
+            <p:ph type="sldNum" sz="quarter" idx="10"/>
+          </p:nvPr>
+        </p:nvSpPr>
+        <p:spPr/>
+        <p:txBody>
+          <a:bodyPr/>
+          <a:lstStyle/>
+          <a:p>
+            <a:fld id="{163D198A-A212-4D83-ADE7-1628D822FB74}" type="slidenum">
+              <a:rPr lang="en-US" smtClean="0"/>
+              <a:t>1</a:t>
+            </a:fld>
+            <a:endParaRPr lang="en-US"/>
+          </a:p>
+        </p:txBody>
+      </p:sp>
+    </p:spTree>
+    <p:extLst>
+      <p:ext uri="{BB962C8B-B14F-4D97-AF65-F5344CB8AC3E}">
+        <p14:creationId xmlns:p14="http://schemas.microsoft.com/office/powerpoint/2010/main" val="3058641801"/>
+      </p:ext>
+    </p:extLst>
+  </p:cSld>
+  <p:clrMapOvr>
+    <a:masterClrMapping/>
+  </p:clrMapOvr>
+</p:notes>
 </file>
 
 <file path=ppt/slideLayouts/slideLayout1.xml><?xml version="1.0" encoding="utf-8"?>
@@ -507,7 +945,7 @@
           <a:p>
             <a:fld id="{9DCBC028-F1E9-4553-A84E-44234CAB717B}" type="datetimeFigureOut">
               <a:rPr lang="en-US" smtClean="0"/>
-              <a:t>9/9/2012</a:t>
+              <a:t>9/10/2012</a:t>
             </a:fld>
             <a:endParaRPr lang="en-US"/>
           </a:p>
@@ -565,6 +1003,25 @@
   <p:clrMapOvr>
     <a:masterClrMapping/>
   </p:clrMapOvr>
+  <mc:AlternateContent xmlns:mc="http://schemas.openxmlformats.org/markup-compatibility/2006">
+    <mc:Choice xmlns:p14="http://schemas.microsoft.com/office/powerpoint/2010/main" Requires="p14">
+      <p:transition p14:dur="80">
+        <p:fade/>
+      </p:transition>
+    </mc:Choice>
+    <mc:Fallback>
+      <p:transition>
+        <p:fade/>
+      </p:transition>
+    </mc:Fallback>
+  </mc:AlternateContent>
+  <p:timing>
+    <p:tnLst>
+      <p:par>
+        <p:cTn id="1" dur="indefinite" restart="never" nodeType="tmRoot"/>
+      </p:par>
+    </p:tnLst>
+  </p:timing>
 </p:sldLayout>
 </file>
 
@@ -677,7 +1134,7 @@
           <a:p>
             <a:fld id="{9DCBC028-F1E9-4553-A84E-44234CAB717B}" type="datetimeFigureOut">
               <a:rPr lang="en-US" smtClean="0"/>
-              <a:t>9/9/2012</a:t>
+              <a:t>9/10/2012</a:t>
             </a:fld>
             <a:endParaRPr lang="en-US"/>
           </a:p>
@@ -735,6 +1192,25 @@
   <p:clrMapOvr>
     <a:masterClrMapping/>
   </p:clrMapOvr>
+  <mc:AlternateContent xmlns:mc="http://schemas.openxmlformats.org/markup-compatibility/2006">
+    <mc:Choice xmlns:p14="http://schemas.microsoft.com/office/powerpoint/2010/main" Requires="p14">
+      <p:transition p14:dur="80">
+        <p:fade/>
+      </p:transition>
+    </mc:Choice>
+    <mc:Fallback>
+      <p:transition>
+        <p:fade/>
+      </p:transition>
+    </mc:Fallback>
+  </mc:AlternateContent>
+  <p:timing>
+    <p:tnLst>
+      <p:par>
+        <p:cTn id="1" dur="indefinite" restart="never" nodeType="tmRoot"/>
+      </p:par>
+    </p:tnLst>
+  </p:timing>
 </p:sldLayout>
 </file>
 
@@ -857,7 +1333,7 @@
           <a:p>
             <a:fld id="{9DCBC028-F1E9-4553-A84E-44234CAB717B}" type="datetimeFigureOut">
               <a:rPr lang="en-US" smtClean="0"/>
-              <a:t>9/9/2012</a:t>
+              <a:t>9/10/2012</a:t>
             </a:fld>
             <a:endParaRPr lang="en-US"/>
           </a:p>
@@ -915,6 +1391,25 @@
   <p:clrMapOvr>
     <a:masterClrMapping/>
   </p:clrMapOvr>
+  <mc:AlternateContent xmlns:mc="http://schemas.openxmlformats.org/markup-compatibility/2006">
+    <mc:Choice xmlns:p14="http://schemas.microsoft.com/office/powerpoint/2010/main" Requires="p14">
+      <p:transition p14:dur="80">
+        <p:fade/>
+      </p:transition>
+    </mc:Choice>
+    <mc:Fallback>
+      <p:transition>
+        <p:fade/>
+      </p:transition>
+    </mc:Fallback>
+  </mc:AlternateContent>
+  <p:timing>
+    <p:tnLst>
+      <p:par>
+        <p:cTn id="1" dur="indefinite" restart="never" nodeType="tmRoot"/>
+      </p:par>
+    </p:tnLst>
+  </p:timing>
 </p:sldLayout>
 </file>
 
@@ -1092,7 +1587,7 @@
           <a:p>
             <a:fld id="{9DCBC028-F1E9-4553-A84E-44234CAB717B}" type="datetimeFigureOut">
               <a:rPr lang="en-US" smtClean="0"/>
-              <a:t>9/9/2012</a:t>
+              <a:t>9/10/2012</a:t>
             </a:fld>
             <a:endParaRPr lang="en-US"/>
           </a:p>
@@ -1150,6 +1645,25 @@
   <p:clrMapOvr>
     <a:masterClrMapping/>
   </p:clrMapOvr>
+  <mc:AlternateContent xmlns:mc="http://schemas.openxmlformats.org/markup-compatibility/2006">
+    <mc:Choice xmlns:p14="http://schemas.microsoft.com/office/powerpoint/2010/main" Requires="p14">
+      <p:transition p14:dur="80">
+        <p:fade/>
+      </p:transition>
+    </mc:Choice>
+    <mc:Fallback>
+      <p:transition>
+        <p:fade/>
+      </p:transition>
+    </mc:Fallback>
+  </mc:AlternateContent>
+  <p:timing>
+    <p:tnLst>
+      <p:par>
+        <p:cTn id="1" dur="indefinite" restart="never" nodeType="tmRoot"/>
+      </p:par>
+    </p:tnLst>
+  </p:timing>
 </p:sldLayout>
 </file>
 
@@ -1338,7 +1852,7 @@
           <a:p>
             <a:fld id="{9DCBC028-F1E9-4553-A84E-44234CAB717B}" type="datetimeFigureOut">
               <a:rPr lang="en-US" smtClean="0"/>
-              <a:t>9/9/2012</a:t>
+              <a:t>9/10/2012</a:t>
             </a:fld>
             <a:endParaRPr lang="en-US"/>
           </a:p>
@@ -1396,6 +1910,25 @@
   <p:clrMapOvr>
     <a:masterClrMapping/>
   </p:clrMapOvr>
+  <mc:AlternateContent xmlns:mc="http://schemas.openxmlformats.org/markup-compatibility/2006">
+    <mc:Choice xmlns:p14="http://schemas.microsoft.com/office/powerpoint/2010/main" Requires="p14">
+      <p:transition p14:dur="80">
+        <p:fade/>
+      </p:transition>
+    </mc:Choice>
+    <mc:Fallback>
+      <p:transition>
+        <p:fade/>
+      </p:transition>
+    </mc:Fallback>
+  </mc:AlternateContent>
+  <p:timing>
+    <p:tnLst>
+      <p:par>
+        <p:cTn id="1" dur="indefinite" restart="never" nodeType="tmRoot"/>
+      </p:par>
+    </p:tnLst>
+  </p:timing>
 </p:sldLayout>
 </file>
 
@@ -1626,7 +2159,7 @@
           <a:p>
             <a:fld id="{9DCBC028-F1E9-4553-A84E-44234CAB717B}" type="datetimeFigureOut">
               <a:rPr lang="en-US" smtClean="0"/>
-              <a:t>9/9/2012</a:t>
+              <a:t>9/10/2012</a:t>
             </a:fld>
             <a:endParaRPr lang="en-US"/>
           </a:p>
@@ -1684,6 +2217,25 @@
   <p:clrMapOvr>
     <a:masterClrMapping/>
   </p:clrMapOvr>
+  <mc:AlternateContent xmlns:mc="http://schemas.openxmlformats.org/markup-compatibility/2006">
+    <mc:Choice xmlns:p14="http://schemas.microsoft.com/office/powerpoint/2010/main" Requires="p14">
+      <p:transition p14:dur="80">
+        <p:fade/>
+      </p:transition>
+    </mc:Choice>
+    <mc:Fallback>
+      <p:transition>
+        <p:fade/>
+      </p:transition>
+    </mc:Fallback>
+  </mc:AlternateContent>
+  <p:timing>
+    <p:tnLst>
+      <p:par>
+        <p:cTn id="1" dur="indefinite" restart="never" nodeType="tmRoot"/>
+      </p:par>
+    </p:tnLst>
+  </p:timing>
 </p:sldLayout>
 </file>
 
@@ -2048,7 +2600,7 @@
           <a:p>
             <a:fld id="{9DCBC028-F1E9-4553-A84E-44234CAB717B}" type="datetimeFigureOut">
               <a:rPr lang="en-US" smtClean="0"/>
-              <a:t>9/9/2012</a:t>
+              <a:t>9/10/2012</a:t>
             </a:fld>
             <a:endParaRPr lang="en-US"/>
           </a:p>
@@ -2106,6 +2658,18 @@
   <p:clrMapOvr>
     <a:masterClrMapping/>
   </p:clrMapOvr>
+  <mc:AlternateContent xmlns:mc="http://schemas.openxmlformats.org/markup-compatibility/2006">
+    <mc:Choice xmlns:p14="http://schemas.microsoft.com/office/powerpoint/2010/main" Requires="p14">
+      <p:transition p14:dur="80">
+        <p:fade/>
+      </p:transition>
+    </mc:Choice>
+    <mc:Fallback>
+      <p:transition>
+        <p:fade/>
+      </p:transition>
+    </mc:Fallback>
+  </mc:AlternateContent>
 </p:sldLayout>
 </file>
 
@@ -2199,6 +2763,25 @@
   <p:clrMapOvr>
     <a:masterClrMapping/>
   </p:clrMapOvr>
+  <mc:AlternateContent xmlns:mc="http://schemas.openxmlformats.org/markup-compatibility/2006">
+    <mc:Choice xmlns:p14="http://schemas.microsoft.com/office/powerpoint/2010/main" Requires="p14">
+      <p:transition p14:dur="80">
+        <p:fade/>
+      </p:transition>
+    </mc:Choice>
+    <mc:Fallback>
+      <p:transition>
+        <p:fade/>
+      </p:transition>
+    </mc:Fallback>
+  </mc:AlternateContent>
+  <p:timing>
+    <p:tnLst>
+      <p:par>
+        <p:cTn id="1" dur="indefinite" restart="never" nodeType="tmRoot"/>
+      </p:par>
+    </p:tnLst>
+  </p:timing>
 </p:sldLayout>
 </file>
 
@@ -2236,7 +2819,7 @@
           <a:p>
             <a:fld id="{9DCBC028-F1E9-4553-A84E-44234CAB717B}" type="datetimeFigureOut">
               <a:rPr lang="en-US" smtClean="0"/>
-              <a:t>9/9/2012</a:t>
+              <a:t>9/10/2012</a:t>
             </a:fld>
             <a:endParaRPr lang="en-US"/>
           </a:p>
@@ -2294,6 +2877,18 @@
   <p:clrMapOvr>
     <a:masterClrMapping/>
   </p:clrMapOvr>
+  <mc:AlternateContent xmlns:mc="http://schemas.openxmlformats.org/markup-compatibility/2006">
+    <mc:Choice xmlns:p14="http://schemas.microsoft.com/office/powerpoint/2010/main" Requires="p14">
+      <p:transition p14:dur="80">
+        <p:fade/>
+      </p:transition>
+    </mc:Choice>
+    <mc:Fallback>
+      <p:transition>
+        <p:fade/>
+      </p:transition>
+    </mc:Fallback>
+  </mc:AlternateContent>
 </p:sldLayout>
 </file>
 
@@ -2513,7 +3108,7 @@
           <a:p>
             <a:fld id="{9DCBC028-F1E9-4553-A84E-44234CAB717B}" type="datetimeFigureOut">
               <a:rPr lang="en-US" smtClean="0"/>
-              <a:t>9/9/2012</a:t>
+              <a:t>9/10/2012</a:t>
             </a:fld>
             <a:endParaRPr lang="en-US"/>
           </a:p>
@@ -2571,11 +3166,23 @@
   <p:clrMapOvr>
     <a:masterClrMapping/>
   </p:clrMapOvr>
+  <mc:AlternateContent xmlns:mc="http://schemas.openxmlformats.org/markup-compatibility/2006">
+    <mc:Choice xmlns:p14="http://schemas.microsoft.com/office/powerpoint/2010/main" Requires="p14">
+      <p:transition p14:dur="80">
+        <p:fade/>
+      </p:transition>
+    </mc:Choice>
+    <mc:Fallback>
+      <p:transition>
+        <p:fade/>
+      </p:transition>
+    </mc:Fallback>
+  </mc:AlternateContent>
 </p:sldLayout>
 </file>
 
 <file path=ppt/slideLayouts/slideLayout9.xml><?xml version="1.0" encoding="utf-8"?>
-<p:sldLayout xmlns:a="http://schemas.openxmlformats.org/drawingml/2006/main" xmlns:r="http://schemas.openxmlformats.org/officeDocument/2006/relationships" xmlns:p="http://schemas.openxmlformats.org/presentationml/2006/main" type="picTx" preserve="1">
+<p:sldLayout xmlns:a="http://schemas.openxmlformats.org/drawingml/2006/main" xmlns:r="http://schemas.openxmlformats.org/officeDocument/2006/relationships" xmlns:p="http://schemas.openxmlformats.org/presentationml/2006/main" preserve="1" userDrawn="1">
   <p:cSld name="Picture with Caption">
     <p:spTree>
       <p:nvGrpSpPr>
@@ -2603,23 +3210,53 @@
         </p:nvSpPr>
         <p:spPr>
           <a:xfrm>
-            <a:off x="1792288" y="4800600"/>
-            <a:ext cx="5486400" cy="566739"/>
+            <a:off x="-76200" y="5715000"/>
+            <a:ext cx="9296400" cy="914400"/>
           </a:xfrm>
+          <a:blipFill dpi="0" rotWithShape="1">
+            <a:blip r:embed="rId2"/>
+            <a:srcRect/>
+            <a:tile tx="0" ty="0" sx="100000" sy="100000" flip="none" algn="tl"/>
+          </a:blipFill>
+          <a:effectLst>
+            <a:glow rad="101600">
+              <a:srgbClr val="8A9AA1">
+                <a:alpha val="52000"/>
+              </a:srgbClr>
+            </a:glow>
+            <a:innerShdw blurRad="406400">
+              <a:prstClr val="black"/>
+            </a:innerShdw>
+          </a:effectLst>
         </p:spPr>
         <p:txBody>
-          <a:bodyPr anchor="b"/>
+          <a:bodyPr vert="horz" lIns="91440" tIns="45720" rIns="91440" bIns="45720" rtlCol="0" anchor="ctr">
+            <a:noAutofit/>
+          </a:bodyPr>
           <a:lstStyle>
-            <a:lvl1pPr algn="l">
-              <a:defRPr sz="2000" b="1"/>
+            <a:lvl1pPr>
+              <a:defRPr lang="en-US" b="0" strike="noStrike" cap="none" spc="-150" normalizeH="0" baseline="0">
+                <a:solidFill>
+                  <a:schemeClr val="bg1"/>
+                </a:solidFill>
+                <a:effectLst>
+                  <a:outerShdw blurRad="38100" dist="38100" dir="2700000" algn="tl">
+                    <a:srgbClr val="000000">
+                      <a:alpha val="43137"/>
+                    </a:srgbClr>
+                  </a:outerShdw>
+                </a:effectLst>
+                <a:latin typeface="HelveticaNeueLT Com 95 Blk" pitchFamily="34" charset="0"/>
+              </a:defRPr>
             </a:lvl1pPr>
           </a:lstStyle>
           <a:p>
-            <a:r>
-              <a:rPr lang="en-US" smtClean="0"/>
+            <a:pPr lvl="0"/>
+            <a:r>
+              <a:rPr lang="en-US" dirty="0" smtClean="0"/>
               <a:t>Click to edit Master title style</a:t>
             </a:r>
-            <a:endParaRPr lang="en-US"/>
+            <a:endParaRPr lang="en-US" dirty="0"/>
           </a:p>
         </p:txBody>
       </p:sp>
@@ -2635,9 +3272,16 @@
         </p:nvSpPr>
         <p:spPr>
           <a:xfrm>
-            <a:off x="1792288" y="612775"/>
-            <a:ext cx="5486400" cy="4114800"/>
+            <a:off x="914400" y="228600"/>
+            <a:ext cx="7315200" cy="5257800"/>
           </a:xfrm>
+          <a:effectLst>
+            <a:glow rad="101600">
+              <a:srgbClr val="8A9AA1">
+                <a:alpha val="36000"/>
+              </a:srgbClr>
+            </a:glow>
+          </a:effectLst>
         </p:spPr>
         <p:txBody>
           <a:bodyPr/>
@@ -2680,137 +3324,7 @@
             </a:lvl9pPr>
           </a:lstStyle>
           <a:p>
-            <a:endParaRPr lang="en-US"/>
-          </a:p>
-        </p:txBody>
-      </p:sp>
-      <p:sp>
-        <p:nvSpPr>
-          <p:cNvPr id="4" name="Text Placeholder 3"/>
-          <p:cNvSpPr>
-            <a:spLocks noGrp="1"/>
-          </p:cNvSpPr>
-          <p:nvPr>
-            <p:ph type="body" sz="half" idx="2"/>
-          </p:nvPr>
-        </p:nvSpPr>
-        <p:spPr>
-          <a:xfrm>
-            <a:off x="1792288" y="5367338"/>
-            <a:ext cx="5486400" cy="804863"/>
-          </a:xfrm>
-        </p:spPr>
-        <p:txBody>
-          <a:bodyPr/>
-          <a:lstStyle>
-            <a:lvl1pPr marL="0" indent="0">
-              <a:buNone/>
-              <a:defRPr sz="1400"/>
-            </a:lvl1pPr>
-            <a:lvl2pPr marL="457200" indent="0">
-              <a:buNone/>
-              <a:defRPr sz="1200"/>
-            </a:lvl2pPr>
-            <a:lvl3pPr marL="914400" indent="0">
-              <a:buNone/>
-              <a:defRPr sz="1000"/>
-            </a:lvl3pPr>
-            <a:lvl4pPr marL="1371600" indent="0">
-              <a:buNone/>
-              <a:defRPr sz="900"/>
-            </a:lvl4pPr>
-            <a:lvl5pPr marL="1828800" indent="0">
-              <a:buNone/>
-              <a:defRPr sz="900"/>
-            </a:lvl5pPr>
-            <a:lvl6pPr marL="2286000" indent="0">
-              <a:buNone/>
-              <a:defRPr sz="900"/>
-            </a:lvl6pPr>
-            <a:lvl7pPr marL="2743200" indent="0">
-              <a:buNone/>
-              <a:defRPr sz="900"/>
-            </a:lvl7pPr>
-            <a:lvl8pPr marL="3200400" indent="0">
-              <a:buNone/>
-              <a:defRPr sz="900"/>
-            </a:lvl8pPr>
-            <a:lvl9pPr marL="3657600" indent="0">
-              <a:buNone/>
-              <a:defRPr sz="900"/>
-            </a:lvl9pPr>
-          </a:lstStyle>
-          <a:p>
-            <a:pPr lvl="0"/>
-            <a:r>
-              <a:rPr lang="en-US" smtClean="0"/>
-              <a:t>Click to edit Master text styles</a:t>
-            </a:r>
-          </a:p>
-        </p:txBody>
-      </p:sp>
-      <p:sp>
-        <p:nvSpPr>
-          <p:cNvPr id="5" name="Date Placeholder 4"/>
-          <p:cNvSpPr>
-            <a:spLocks noGrp="1"/>
-          </p:cNvSpPr>
-          <p:nvPr>
-            <p:ph type="dt" sz="half" idx="10"/>
-          </p:nvPr>
-        </p:nvSpPr>
-        <p:spPr/>
-        <p:txBody>
-          <a:bodyPr/>
-          <a:lstStyle/>
-          <a:p>
-            <a:fld id="{9DCBC028-F1E9-4553-A84E-44234CAB717B}" type="datetimeFigureOut">
-              <a:rPr lang="en-US" smtClean="0"/>
-              <a:t>9/9/2012</a:t>
-            </a:fld>
-            <a:endParaRPr lang="en-US"/>
-          </a:p>
-        </p:txBody>
-      </p:sp>
-      <p:sp>
-        <p:nvSpPr>
-          <p:cNvPr id="6" name="Footer Placeholder 5"/>
-          <p:cNvSpPr>
-            <a:spLocks noGrp="1"/>
-          </p:cNvSpPr>
-          <p:nvPr>
-            <p:ph type="ftr" sz="quarter" idx="11"/>
-          </p:nvPr>
-        </p:nvSpPr>
-        <p:spPr/>
-        <p:txBody>
-          <a:bodyPr/>
-          <a:lstStyle/>
-          <a:p>
-            <a:endParaRPr lang="en-US"/>
-          </a:p>
-        </p:txBody>
-      </p:sp>
-      <p:sp>
-        <p:nvSpPr>
-          <p:cNvPr id="7" name="Slide Number Placeholder 6"/>
-          <p:cNvSpPr>
-            <a:spLocks noGrp="1"/>
-          </p:cNvSpPr>
-          <p:nvPr>
-            <p:ph type="sldNum" sz="quarter" idx="12"/>
-          </p:nvPr>
-        </p:nvSpPr>
-        <p:spPr/>
-        <p:txBody>
-          <a:bodyPr/>
-          <a:lstStyle/>
-          <a:p>
-            <a:fld id="{091608B8-B47F-42C6-8A98-4776D4242846}" type="slidenum">
-              <a:rPr lang="en-US" smtClean="0"/>
-              <a:t>‹#›</a:t>
-            </a:fld>
-            <a:endParaRPr lang="en-US"/>
+            <a:endParaRPr lang="en-US" dirty="0"/>
           </a:p>
         </p:txBody>
       </p:sp>
@@ -2824,6 +3338,25 @@
   <p:clrMapOvr>
     <a:masterClrMapping/>
   </p:clrMapOvr>
+  <mc:AlternateContent xmlns:mc="http://schemas.openxmlformats.org/markup-compatibility/2006">
+    <mc:Choice xmlns:p14="http://schemas.microsoft.com/office/powerpoint/2010/main" Requires="p14">
+      <p:transition p14:dur="80">
+        <p:fade/>
+      </p:transition>
+    </mc:Choice>
+    <mc:Fallback>
+      <p:transition>
+        <p:fade/>
+      </p:transition>
+    </mc:Fallback>
+  </mc:AlternateContent>
+  <p:timing>
+    <p:tnLst>
+      <p:par>
+        <p:cTn id="1" dur="indefinite" restart="never" nodeType="tmRoot"/>
+      </p:par>
+    </p:tnLst>
+  </p:timing>
 </p:sldLayout>
 </file>
 
@@ -2988,7 +3521,7 @@
             <a:fld id="{9DCBC028-F1E9-4553-A84E-44234CAB717B}" type="datetimeFigureOut">
               <a:rPr lang="en-US" smtClean="0"/>
               <a:pPr/>
-              <a:t>9/9/2012</a:t>
+              <a:t>9/10/2012</a:t>
             </a:fld>
             <a:endParaRPr lang="en-US"/>
           </a:p>
@@ -3180,6 +3713,25 @@
     <p:sldLayoutId id="2147483658" r:id="rId10"/>
     <p:sldLayoutId id="2147483659" r:id="rId11"/>
   </p:sldLayoutIdLst>
+  <mc:AlternateContent xmlns:mc="http://schemas.openxmlformats.org/markup-compatibility/2006">
+    <mc:Choice xmlns:p14="http://schemas.microsoft.com/office/powerpoint/2010/main" Requires="p14">
+      <p:transition p14:dur="80">
+        <p:fade/>
+      </p:transition>
+    </mc:Choice>
+    <mc:Fallback>
+      <p:transition>
+        <p:fade/>
+      </p:transition>
+    </mc:Fallback>
+  </mc:AlternateContent>
+  <p:timing>
+    <p:tnLst>
+      <p:par>
+        <p:cTn id="1" dur="indefinite" restart="never" nodeType="tmRoot"/>
+      </p:par>
+    </p:tnLst>
+  </p:timing>
   <p:txStyles>
     <p:titleStyle>
       <a:lvl1pPr algn="ctr" defTabSz="914400" rtl="0" eaLnBrk="1" latinLnBrk="0" hangingPunct="1">
@@ -3503,7 +4055,7 @@
           <p:nvPr>
             <p:extLst>
               <p:ext uri="{D42A27DB-BD31-4B8C-83A1-F6EECF244321}">
-                <p14:modId xmlns:p14="http://schemas.microsoft.com/office/powerpoint/2010/main" val="3425987946"/>
+                <p14:modId xmlns:p14="http://schemas.microsoft.com/office/powerpoint/2010/main" val="4140850811"/>
               </p:ext>
             </p:extLst>
           </p:nvPr>
@@ -4023,12 +4575,12 @@
   </p:clrMapOvr>
   <mc:AlternateContent xmlns:mc="http://schemas.openxmlformats.org/markup-compatibility/2006">
     <mc:Choice xmlns:p14="http://schemas.microsoft.com/office/powerpoint/2010/main" Requires="p14">
-      <p:transition spd="med" p14:dur="700">
+      <p:transition p14:dur="80">
         <p:fade/>
       </p:transition>
     </mc:Choice>
     <mc:Fallback>
-      <p:transition spd="med">
+      <p:transition>
         <p:fade/>
       </p:transition>
     </mc:Fallback>
@@ -4161,6 +4713,18 @@
   <p:clrMapOvr>
     <a:masterClrMapping/>
   </p:clrMapOvr>
+  <mc:AlternateContent xmlns:mc="http://schemas.openxmlformats.org/markup-compatibility/2006">
+    <mc:Choice xmlns:p14="http://schemas.microsoft.com/office/powerpoint/2010/main" Requires="p14">
+      <p:transition p14:dur="80">
+        <p:fade/>
+      </p:transition>
+    </mc:Choice>
+    <mc:Fallback>
+      <p:transition>
+        <p:fade/>
+      </p:transition>
+    </mc:Fallback>
+  </mc:AlternateContent>
   <p:timing>
     <p:tnLst>
       <p:par>
@@ -4209,33 +4773,38 @@
       </p:sp>
       <p:sp>
         <p:nvSpPr>
-          <p:cNvPr id="3" name="Content Placeholder 2"/>
-          <p:cNvSpPr>
-            <a:spLocks noGrp="1"/>
-          </p:cNvSpPr>
-          <p:nvPr>
-            <p:ph idx="1"/>
+          <p:cNvPr id="3" name="Picture Placeholder 2"/>
+          <p:cNvSpPr>
+            <a:spLocks noGrp="1"/>
+          </p:cNvSpPr>
+          <p:nvPr>
+            <p:ph type="pic" idx="1"/>
           </p:nvPr>
         </p:nvSpPr>
         <p:spPr/>
-        <p:txBody>
-          <a:bodyPr/>
-          <a:lstStyle/>
-          <a:p>
-            <a:endParaRPr lang="en-US"/>
-          </a:p>
-        </p:txBody>
       </p:sp>
     </p:spTree>
     <p:extLst>
       <p:ext uri="{BB962C8B-B14F-4D97-AF65-F5344CB8AC3E}">
-        <p14:creationId xmlns:p14="http://schemas.microsoft.com/office/powerpoint/2010/main" val="2997103397"/>
+        <p14:creationId xmlns:p14="http://schemas.microsoft.com/office/powerpoint/2010/main" val="2342813386"/>
       </p:ext>
     </p:extLst>
   </p:cSld>
   <p:clrMapOvr>
     <a:masterClrMapping/>
   </p:clrMapOvr>
+  <mc:AlternateContent xmlns:mc="http://schemas.openxmlformats.org/markup-compatibility/2006">
+    <mc:Choice xmlns:p14="http://schemas.microsoft.com/office/powerpoint/2010/main" Requires="p14">
+      <p:transition p14:dur="80">
+        <p:fade/>
+      </p:transition>
+    </mc:Choice>
+    <mc:Fallback>
+      <p:transition>
+        <p:fade/>
+      </p:transition>
+    </mc:Fallback>
+  </mc:AlternateContent>
   <p:timing>
     <p:tnLst>
       <p:par>
@@ -4275,6 +4844,86 @@
         </p:nvSpPr>
         <p:spPr/>
         <p:txBody>
+          <a:bodyPr/>
+          <a:lstStyle/>
+          <a:p>
+            <a:endParaRPr lang="en-US"/>
+          </a:p>
+        </p:txBody>
+      </p:sp>
+      <p:sp>
+        <p:nvSpPr>
+          <p:cNvPr id="3" name="Picture Placeholder 2"/>
+          <p:cNvSpPr>
+            <a:spLocks noGrp="1"/>
+          </p:cNvSpPr>
+          <p:nvPr>
+            <p:ph type="pic" idx="1"/>
+          </p:nvPr>
+        </p:nvSpPr>
+        <p:spPr/>
+      </p:sp>
+    </p:spTree>
+    <p:extLst>
+      <p:ext uri="{BB962C8B-B14F-4D97-AF65-F5344CB8AC3E}">
+        <p14:creationId xmlns:p14="http://schemas.microsoft.com/office/powerpoint/2010/main" val="2632864066"/>
+      </p:ext>
+    </p:extLst>
+  </p:cSld>
+  <p:clrMapOvr>
+    <a:masterClrMapping/>
+  </p:clrMapOvr>
+  <mc:AlternateContent xmlns:mc="http://schemas.openxmlformats.org/markup-compatibility/2006">
+    <mc:Choice xmlns:p14="http://schemas.microsoft.com/office/powerpoint/2010/main" Requires="p14">
+      <p:transition p14:dur="80">
+        <p:fade/>
+      </p:transition>
+    </mc:Choice>
+    <mc:Fallback>
+      <p:transition>
+        <p:fade/>
+      </p:transition>
+    </mc:Fallback>
+  </mc:AlternateContent>
+  <p:timing>
+    <p:tnLst>
+      <p:par>
+        <p:cTn id="1" dur="indefinite" restart="never" nodeType="tmRoot"/>
+      </p:par>
+    </p:tnLst>
+  </p:timing>
+</p:sld>
+</file>
+
+<file path=ppt/slides/slide5.xml><?xml version="1.0" encoding="utf-8"?>
+<p:sld xmlns:a="http://schemas.openxmlformats.org/drawingml/2006/main" xmlns:r="http://schemas.openxmlformats.org/officeDocument/2006/relationships" xmlns:p="http://schemas.openxmlformats.org/presentationml/2006/main">
+  <p:cSld>
+    <p:spTree>
+      <p:nvGrpSpPr>
+        <p:cNvPr id="1" name=""/>
+        <p:cNvGrpSpPr/>
+        <p:nvPr/>
+      </p:nvGrpSpPr>
+      <p:grpSpPr>
+        <a:xfrm>
+          <a:off x="0" y="0"/>
+          <a:ext cx="0" cy="0"/>
+          <a:chOff x="0" y="0"/>
+          <a:chExt cx="0" cy="0"/>
+        </a:xfrm>
+      </p:grpSpPr>
+      <p:sp>
+        <p:nvSpPr>
+          <p:cNvPr id="2" name="Title 1"/>
+          <p:cNvSpPr>
+            <a:spLocks noGrp="1"/>
+          </p:cNvSpPr>
+          <p:nvPr>
+            <p:ph type="title"/>
+          </p:nvPr>
+        </p:nvSpPr>
+        <p:spPr/>
+        <p:txBody>
           <a:bodyPr>
             <a:normAutofit/>
           </a:bodyPr>
@@ -4298,6 +4947,18 @@
   <p:clrMapOvr>
     <a:masterClrMapping/>
   </p:clrMapOvr>
+  <mc:AlternateContent xmlns:mc="http://schemas.openxmlformats.org/markup-compatibility/2006">
+    <mc:Choice xmlns:p14="http://schemas.microsoft.com/office/powerpoint/2010/main" Requires="p14">
+      <p:transition p14:dur="80">
+        <p:fade/>
+      </p:transition>
+    </mc:Choice>
+    <mc:Fallback>
+      <p:transition>
+        <p:fade/>
+      </p:transition>
+    </mc:Fallback>
+  </mc:AlternateContent>
   <p:timing>
     <p:tnLst>
       <p:par>
@@ -4876,4 +5537,289 @@
   <a:objectDefaults/>
   <a:extraClrSchemeLst/>
 </a:theme>
+</file>
+
+<file path=ppt/theme/theme3.xml><?xml version="1.0" encoding="utf-8"?>
+<a:theme xmlns:a="http://schemas.openxmlformats.org/drawingml/2006/main" name="Office Theme">
+  <a:themeElements>
+    <a:clrScheme name="Office">
+      <a:dk1>
+        <a:sysClr val="windowText" lastClr="000000"/>
+      </a:dk1>
+      <a:lt1>
+        <a:sysClr val="window" lastClr="FFFFFF"/>
+      </a:lt1>
+      <a:dk2>
+        <a:srgbClr val="1F497D"/>
+      </a:dk2>
+      <a:lt2>
+        <a:srgbClr val="EEECE1"/>
+      </a:lt2>
+      <a:accent1>
+        <a:srgbClr val="4F81BD"/>
+      </a:accent1>
+      <a:accent2>
+        <a:srgbClr val="C0504D"/>
+      </a:accent2>
+      <a:accent3>
+        <a:srgbClr val="9BBB59"/>
+      </a:accent3>
+      <a:accent4>
+        <a:srgbClr val="8064A2"/>
+      </a:accent4>
+      <a:accent5>
+        <a:srgbClr val="4BACC6"/>
+      </a:accent5>
+      <a:accent6>
+        <a:srgbClr val="F79646"/>
+      </a:accent6>
+      <a:hlink>
+        <a:srgbClr val="0000FF"/>
+      </a:hlink>
+      <a:folHlink>
+        <a:srgbClr val="800080"/>
+      </a:folHlink>
+    </a:clrScheme>
+    <a:fontScheme name="Office">
+      <a:majorFont>
+        <a:latin typeface="Calibri"/>
+        <a:ea typeface=""/>
+        <a:cs typeface=""/>
+        <a:font script="Jpan" typeface="ＭＳ Ｐゴシック"/>
+        <a:font script="Hang" typeface="맑은 고딕"/>
+        <a:font script="Hans" typeface="宋体"/>
+        <a:font script="Hant" typeface="新細明體"/>
+        <a:font script="Arab" typeface="Times New Roman"/>
+        <a:font script="Hebr" typeface="Times New Roman"/>
+        <a:font script="Thai" typeface="Angsana New"/>
+        <a:font script="Ethi" typeface="Nyala"/>
+        <a:font script="Beng" typeface="Vrinda"/>
+        <a:font script="Gujr" typeface="Shruti"/>
+        <a:font script="Khmr" typeface="MoolBoran"/>
+        <a:font script="Knda" typeface="Tunga"/>
+        <a:font script="Guru" typeface="Raavi"/>
+        <a:font script="Cans" typeface="Euphemia"/>
+        <a:font script="Cher" typeface="Plantagenet Cherokee"/>
+        <a:font script="Yiii" typeface="Microsoft Yi Baiti"/>
+        <a:font script="Tibt" typeface="Microsoft Himalaya"/>
+        <a:font script="Thaa" typeface="MV Boli"/>
+        <a:font script="Deva" typeface="Mangal"/>
+        <a:font script="Telu" typeface="Gautami"/>
+        <a:font script="Taml" typeface="Latha"/>
+        <a:font script="Syrc" typeface="Estrangelo Edessa"/>
+        <a:font script="Orya" typeface="Kalinga"/>
+        <a:font script="Mlym" typeface="Kartika"/>
+        <a:font script="Laoo" typeface="DokChampa"/>
+        <a:font script="Sinh" typeface="Iskoola Pota"/>
+        <a:font script="Mong" typeface="Mongolian Baiti"/>
+        <a:font script="Viet" typeface="Times New Roman"/>
+        <a:font script="Uigh" typeface="Microsoft Uighur"/>
+        <a:font script="Geor" typeface="Sylfaen"/>
+      </a:majorFont>
+      <a:minorFont>
+        <a:latin typeface="Calibri"/>
+        <a:ea typeface=""/>
+        <a:cs typeface=""/>
+        <a:font script="Jpan" typeface="ＭＳ Ｐゴシック"/>
+        <a:font script="Hang" typeface="맑은 고딕"/>
+        <a:font script="Hans" typeface="宋体"/>
+        <a:font script="Hant" typeface="新細明體"/>
+        <a:font script="Arab" typeface="Arial"/>
+        <a:font script="Hebr" typeface="Arial"/>
+        <a:font script="Thai" typeface="Cordia New"/>
+        <a:font script="Ethi" typeface="Nyala"/>
+        <a:font script="Beng" typeface="Vrinda"/>
+        <a:font script="Gujr" typeface="Shruti"/>
+        <a:font script="Khmr" typeface="DaunPenh"/>
+        <a:font script="Knda" typeface="Tunga"/>
+        <a:font script="Guru" typeface="Raavi"/>
+        <a:font script="Cans" typeface="Euphemia"/>
+        <a:font script="Cher" typeface="Plantagenet Cherokee"/>
+        <a:font script="Yiii" typeface="Microsoft Yi Baiti"/>
+        <a:font script="Tibt" typeface="Microsoft Himalaya"/>
+        <a:font script="Thaa" typeface="MV Boli"/>
+        <a:font script="Deva" typeface="Mangal"/>
+        <a:font script="Telu" typeface="Gautami"/>
+        <a:font script="Taml" typeface="Latha"/>
+        <a:font script="Syrc" typeface="Estrangelo Edessa"/>
+        <a:font script="Orya" typeface="Kalinga"/>
+        <a:font script="Mlym" typeface="Kartika"/>
+        <a:font script="Laoo" typeface="DokChampa"/>
+        <a:font script="Sinh" typeface="Iskoola Pota"/>
+        <a:font script="Mong" typeface="Mongolian Baiti"/>
+        <a:font script="Viet" typeface="Arial"/>
+        <a:font script="Uigh" typeface="Microsoft Uighur"/>
+        <a:font script="Geor" typeface="Sylfaen"/>
+      </a:minorFont>
+    </a:fontScheme>
+    <a:fmtScheme name="Office">
+      <a:fillStyleLst>
+        <a:solidFill>
+          <a:schemeClr val="phClr"/>
+        </a:solidFill>
+        <a:gradFill rotWithShape="1">
+          <a:gsLst>
+            <a:gs pos="0">
+              <a:schemeClr val="phClr">
+                <a:tint val="50000"/>
+                <a:satMod val="300000"/>
+              </a:schemeClr>
+            </a:gs>
+            <a:gs pos="35000">
+              <a:schemeClr val="phClr">
+                <a:tint val="37000"/>
+                <a:satMod val="300000"/>
+              </a:schemeClr>
+            </a:gs>
+            <a:gs pos="100000">
+              <a:schemeClr val="phClr">
+                <a:tint val="15000"/>
+                <a:satMod val="350000"/>
+              </a:schemeClr>
+            </a:gs>
+          </a:gsLst>
+          <a:lin ang="16200000" scaled="1"/>
+        </a:gradFill>
+        <a:gradFill rotWithShape="1">
+          <a:gsLst>
+            <a:gs pos="0">
+              <a:schemeClr val="phClr">
+                <a:shade val="51000"/>
+                <a:satMod val="130000"/>
+              </a:schemeClr>
+            </a:gs>
+            <a:gs pos="80000">
+              <a:schemeClr val="phClr">
+                <a:shade val="93000"/>
+                <a:satMod val="130000"/>
+              </a:schemeClr>
+            </a:gs>
+            <a:gs pos="100000">
+              <a:schemeClr val="phClr">
+                <a:shade val="94000"/>
+                <a:satMod val="135000"/>
+              </a:schemeClr>
+            </a:gs>
+          </a:gsLst>
+          <a:lin ang="16200000" scaled="0"/>
+        </a:gradFill>
+      </a:fillStyleLst>
+      <a:lnStyleLst>
+        <a:ln w="9525" cap="flat" cmpd="sng" algn="ctr">
+          <a:solidFill>
+            <a:schemeClr val="phClr">
+              <a:shade val="95000"/>
+              <a:satMod val="105000"/>
+            </a:schemeClr>
+          </a:solidFill>
+          <a:prstDash val="solid"/>
+        </a:ln>
+        <a:ln w="25400" cap="flat" cmpd="sng" algn="ctr">
+          <a:solidFill>
+            <a:schemeClr val="phClr"/>
+          </a:solidFill>
+          <a:prstDash val="solid"/>
+        </a:ln>
+        <a:ln w="38100" cap="flat" cmpd="sng" algn="ctr">
+          <a:solidFill>
+            <a:schemeClr val="phClr"/>
+          </a:solidFill>
+          <a:prstDash val="solid"/>
+        </a:ln>
+      </a:lnStyleLst>
+      <a:effectStyleLst>
+        <a:effectStyle>
+          <a:effectLst>
+            <a:outerShdw blurRad="40000" dist="20000" dir="5400000" rotWithShape="0">
+              <a:srgbClr val="000000">
+                <a:alpha val="38000"/>
+              </a:srgbClr>
+            </a:outerShdw>
+          </a:effectLst>
+        </a:effectStyle>
+        <a:effectStyle>
+          <a:effectLst>
+            <a:outerShdw blurRad="40000" dist="23000" dir="5400000" rotWithShape="0">
+              <a:srgbClr val="000000">
+                <a:alpha val="35000"/>
+              </a:srgbClr>
+            </a:outerShdw>
+          </a:effectLst>
+        </a:effectStyle>
+        <a:effectStyle>
+          <a:effectLst>
+            <a:outerShdw blurRad="40000" dist="23000" dir="5400000" rotWithShape="0">
+              <a:srgbClr val="000000">
+                <a:alpha val="35000"/>
+              </a:srgbClr>
+            </a:outerShdw>
+          </a:effectLst>
+          <a:scene3d>
+            <a:camera prst="orthographicFront">
+              <a:rot lat="0" lon="0" rev="0"/>
+            </a:camera>
+            <a:lightRig rig="threePt" dir="t">
+              <a:rot lat="0" lon="0" rev="1200000"/>
+            </a:lightRig>
+          </a:scene3d>
+          <a:sp3d>
+            <a:bevelT w="63500" h="25400"/>
+          </a:sp3d>
+        </a:effectStyle>
+      </a:effectStyleLst>
+      <a:bgFillStyleLst>
+        <a:solidFill>
+          <a:schemeClr val="phClr"/>
+        </a:solidFill>
+        <a:gradFill rotWithShape="1">
+          <a:gsLst>
+            <a:gs pos="0">
+              <a:schemeClr val="phClr">
+                <a:tint val="40000"/>
+                <a:satMod val="350000"/>
+              </a:schemeClr>
+            </a:gs>
+            <a:gs pos="40000">
+              <a:schemeClr val="phClr">
+                <a:tint val="45000"/>
+                <a:shade val="99000"/>
+                <a:satMod val="350000"/>
+              </a:schemeClr>
+            </a:gs>
+            <a:gs pos="100000">
+              <a:schemeClr val="phClr">
+                <a:shade val="20000"/>
+                <a:satMod val="255000"/>
+              </a:schemeClr>
+            </a:gs>
+          </a:gsLst>
+          <a:path path="circle">
+            <a:fillToRect l="50000" t="-80000" r="50000" b="180000"/>
+          </a:path>
+        </a:gradFill>
+        <a:gradFill rotWithShape="1">
+          <a:gsLst>
+            <a:gs pos="0">
+              <a:schemeClr val="phClr">
+                <a:tint val="80000"/>
+                <a:satMod val="300000"/>
+              </a:schemeClr>
+            </a:gs>
+            <a:gs pos="100000">
+              <a:schemeClr val="phClr">
+                <a:shade val="30000"/>
+                <a:satMod val="200000"/>
+              </a:schemeClr>
+            </a:gs>
+          </a:gsLst>
+          <a:path path="circle">
+            <a:fillToRect l="50000" t="50000" r="50000" b="50000"/>
+          </a:path>
+        </a:gradFill>
+      </a:bgFillStyleLst>
+    </a:fmtScheme>
+  </a:themeElements>
+  <a:objectDefaults/>
+  <a:extraClrSchemeLst/>
+</a:theme>
 </file>
--- a/documents/PresentationConcept.pptx
+++ b/documents/PresentationConcept.pptx
@@ -13,23 +13,23 @@
   <p:sldIdLst>
     <p:sldId id="256" r:id="rId2"/>
     <p:sldId id="257" r:id="rId3"/>
-    <p:sldId id="259" r:id="rId4"/>
-    <p:sldId id="260" r:id="rId5"/>
+    <p:sldId id="260" r:id="rId4"/>
+    <p:sldId id="259" r:id="rId5"/>
     <p:sldId id="258" r:id="rId6"/>
   </p:sldIdLst>
   <p:sldSz cx="9144000" cy="6858000" type="screen4x3"/>
   <p:notesSz cx="6858000" cy="9144000"/>
   <p:embeddedFontLst>
     <p:embeddedFont>
-      <p:font typeface="Calibri" pitchFamily="34" charset="0"/>
-      <p:regular r:id="rId9"/>
-      <p:bold r:id="rId10"/>
-      <p:italic r:id="rId11"/>
-      <p:boldItalic r:id="rId12"/>
+      <p:font typeface="HelveticaNeueLT Com 95 Blk" pitchFamily="34" charset="0"/>
+      <p:bold r:id="rId9"/>
+      <p:boldItalic r:id="rId10"/>
     </p:embeddedFont>
     <p:embeddedFont>
-      <p:font typeface="HelveticaNeueLT Com 95 Blk" pitchFamily="34" charset="0"/>
-      <p:bold r:id="rId13"/>
+      <p:font typeface="Calibri" pitchFamily="34" charset="0"/>
+      <p:regular r:id="rId11"/>
+      <p:bold r:id="rId12"/>
+      <p:italic r:id="rId13"/>
       <p:boldItalic r:id="rId14"/>
     </p:embeddedFont>
   </p:embeddedFontLst>
@@ -213,7 +213,7 @@
           <a:p>
             <a:fld id="{04128FA3-ED37-4E11-8DE7-F364F9B6A4BC}" type="datetimeFigureOut">
               <a:rPr lang="en-US" smtClean="0"/>
-              <a:t>9/10/2012</a:t>
+              <a:t>9/12/2012</a:t>
             </a:fld>
             <a:endParaRPr lang="en-US"/>
           </a:p>
@@ -378,7 +378,7 @@
           <a:p>
             <a:fld id="{3E901B62-3B7B-4E80-87CF-715E0AB68DE5}" type="datetimeFigureOut">
               <a:rPr lang="en-US" smtClean="0"/>
-              <a:t>9/10/2012</a:t>
+              <a:t>9/12/2012</a:t>
             </a:fld>
             <a:endParaRPr lang="en-US"/>
           </a:p>
@@ -945,7 +945,7 @@
           <a:p>
             <a:fld id="{9DCBC028-F1E9-4553-A84E-44234CAB717B}" type="datetimeFigureOut">
               <a:rPr lang="en-US" smtClean="0"/>
-              <a:t>9/10/2012</a:t>
+              <a:t>9/12/2012</a:t>
             </a:fld>
             <a:endParaRPr lang="en-US"/>
           </a:p>
@@ -1003,13 +1003,13 @@
   <p:clrMapOvr>
     <a:masterClrMapping/>
   </p:clrMapOvr>
-  <mc:AlternateContent xmlns:mc="http://schemas.openxmlformats.org/markup-compatibility/2006">
-    <mc:Choice xmlns:p14="http://schemas.microsoft.com/office/powerpoint/2010/main" Requires="p14">
+  <mc:AlternateContent xmlns:mc="http://schemas.openxmlformats.org/markup-compatibility/2006" xmlns:p14="http://schemas.microsoft.com/office/powerpoint/2010/main">
+    <mc:Choice Requires="p14">
       <p:transition p14:dur="80">
         <p:fade/>
       </p:transition>
     </mc:Choice>
-    <mc:Fallback>
+    <mc:Fallback xmlns="">
       <p:transition>
         <p:fade/>
       </p:transition>
@@ -1134,7 +1134,7 @@
           <a:p>
             <a:fld id="{9DCBC028-F1E9-4553-A84E-44234CAB717B}" type="datetimeFigureOut">
               <a:rPr lang="en-US" smtClean="0"/>
-              <a:t>9/10/2012</a:t>
+              <a:t>9/12/2012</a:t>
             </a:fld>
             <a:endParaRPr lang="en-US"/>
           </a:p>
@@ -1192,13 +1192,13 @@
   <p:clrMapOvr>
     <a:masterClrMapping/>
   </p:clrMapOvr>
-  <mc:AlternateContent xmlns:mc="http://schemas.openxmlformats.org/markup-compatibility/2006">
-    <mc:Choice xmlns:p14="http://schemas.microsoft.com/office/powerpoint/2010/main" Requires="p14">
+  <mc:AlternateContent xmlns:mc="http://schemas.openxmlformats.org/markup-compatibility/2006" xmlns:p14="http://schemas.microsoft.com/office/powerpoint/2010/main">
+    <mc:Choice Requires="p14">
       <p:transition p14:dur="80">
         <p:fade/>
       </p:transition>
     </mc:Choice>
-    <mc:Fallback>
+    <mc:Fallback xmlns="">
       <p:transition>
         <p:fade/>
       </p:transition>
@@ -1333,7 +1333,7 @@
           <a:p>
             <a:fld id="{9DCBC028-F1E9-4553-A84E-44234CAB717B}" type="datetimeFigureOut">
               <a:rPr lang="en-US" smtClean="0"/>
-              <a:t>9/10/2012</a:t>
+              <a:t>9/12/2012</a:t>
             </a:fld>
             <a:endParaRPr lang="en-US"/>
           </a:p>
@@ -1391,13 +1391,13 @@
   <p:clrMapOvr>
     <a:masterClrMapping/>
   </p:clrMapOvr>
-  <mc:AlternateContent xmlns:mc="http://schemas.openxmlformats.org/markup-compatibility/2006">
-    <mc:Choice xmlns:p14="http://schemas.microsoft.com/office/powerpoint/2010/main" Requires="p14">
+  <mc:AlternateContent xmlns:mc="http://schemas.openxmlformats.org/markup-compatibility/2006" xmlns:p14="http://schemas.microsoft.com/office/powerpoint/2010/main">
+    <mc:Choice Requires="p14">
       <p:transition p14:dur="80">
         <p:fade/>
       </p:transition>
     </mc:Choice>
-    <mc:Fallback>
+    <mc:Fallback xmlns="">
       <p:transition>
         <p:fade/>
       </p:transition>
@@ -1587,7 +1587,7 @@
           <a:p>
             <a:fld id="{9DCBC028-F1E9-4553-A84E-44234CAB717B}" type="datetimeFigureOut">
               <a:rPr lang="en-US" smtClean="0"/>
-              <a:t>9/10/2012</a:t>
+              <a:t>9/12/2012</a:t>
             </a:fld>
             <a:endParaRPr lang="en-US"/>
           </a:p>
@@ -1645,13 +1645,13 @@
   <p:clrMapOvr>
     <a:masterClrMapping/>
   </p:clrMapOvr>
-  <mc:AlternateContent xmlns:mc="http://schemas.openxmlformats.org/markup-compatibility/2006">
-    <mc:Choice xmlns:p14="http://schemas.microsoft.com/office/powerpoint/2010/main" Requires="p14">
+  <mc:AlternateContent xmlns:mc="http://schemas.openxmlformats.org/markup-compatibility/2006" xmlns:p14="http://schemas.microsoft.com/office/powerpoint/2010/main">
+    <mc:Choice Requires="p14">
       <p:transition p14:dur="80">
         <p:fade/>
       </p:transition>
     </mc:Choice>
-    <mc:Fallback>
+    <mc:Fallback xmlns="">
       <p:transition>
         <p:fade/>
       </p:transition>
@@ -1852,7 +1852,7 @@
           <a:p>
             <a:fld id="{9DCBC028-F1E9-4553-A84E-44234CAB717B}" type="datetimeFigureOut">
               <a:rPr lang="en-US" smtClean="0"/>
-              <a:t>9/10/2012</a:t>
+              <a:t>9/12/2012</a:t>
             </a:fld>
             <a:endParaRPr lang="en-US"/>
           </a:p>
@@ -1910,13 +1910,13 @@
   <p:clrMapOvr>
     <a:masterClrMapping/>
   </p:clrMapOvr>
-  <mc:AlternateContent xmlns:mc="http://schemas.openxmlformats.org/markup-compatibility/2006">
-    <mc:Choice xmlns:p14="http://schemas.microsoft.com/office/powerpoint/2010/main" Requires="p14">
+  <mc:AlternateContent xmlns:mc="http://schemas.openxmlformats.org/markup-compatibility/2006" xmlns:p14="http://schemas.microsoft.com/office/powerpoint/2010/main">
+    <mc:Choice Requires="p14">
       <p:transition p14:dur="80">
         <p:fade/>
       </p:transition>
     </mc:Choice>
-    <mc:Fallback>
+    <mc:Fallback xmlns="">
       <p:transition>
         <p:fade/>
       </p:transition>
@@ -2159,7 +2159,7 @@
           <a:p>
             <a:fld id="{9DCBC028-F1E9-4553-A84E-44234CAB717B}" type="datetimeFigureOut">
               <a:rPr lang="en-US" smtClean="0"/>
-              <a:t>9/10/2012</a:t>
+              <a:t>9/12/2012</a:t>
             </a:fld>
             <a:endParaRPr lang="en-US"/>
           </a:p>
@@ -2217,13 +2217,13 @@
   <p:clrMapOvr>
     <a:masterClrMapping/>
   </p:clrMapOvr>
-  <mc:AlternateContent xmlns:mc="http://schemas.openxmlformats.org/markup-compatibility/2006">
-    <mc:Choice xmlns:p14="http://schemas.microsoft.com/office/powerpoint/2010/main" Requires="p14">
+  <mc:AlternateContent xmlns:mc="http://schemas.openxmlformats.org/markup-compatibility/2006" xmlns:p14="http://schemas.microsoft.com/office/powerpoint/2010/main">
+    <mc:Choice Requires="p14">
       <p:transition p14:dur="80">
         <p:fade/>
       </p:transition>
     </mc:Choice>
-    <mc:Fallback>
+    <mc:Fallback xmlns="">
       <p:transition>
         <p:fade/>
       </p:transition>
@@ -2600,7 +2600,7 @@
           <a:p>
             <a:fld id="{9DCBC028-F1E9-4553-A84E-44234CAB717B}" type="datetimeFigureOut">
               <a:rPr lang="en-US" smtClean="0"/>
-              <a:t>9/10/2012</a:t>
+              <a:t>9/12/2012</a:t>
             </a:fld>
             <a:endParaRPr lang="en-US"/>
           </a:p>
@@ -2658,13 +2658,13 @@
   <p:clrMapOvr>
     <a:masterClrMapping/>
   </p:clrMapOvr>
-  <mc:AlternateContent xmlns:mc="http://schemas.openxmlformats.org/markup-compatibility/2006">
-    <mc:Choice xmlns:p14="http://schemas.microsoft.com/office/powerpoint/2010/main" Requires="p14">
+  <mc:AlternateContent xmlns:mc="http://schemas.openxmlformats.org/markup-compatibility/2006" xmlns:p14="http://schemas.microsoft.com/office/powerpoint/2010/main">
+    <mc:Choice Requires="p14">
       <p:transition p14:dur="80">
         <p:fade/>
       </p:transition>
     </mc:Choice>
-    <mc:Fallback>
+    <mc:Fallback xmlns="">
       <p:transition>
         <p:fade/>
       </p:transition>
@@ -2727,7 +2727,7 @@
           </a:bodyPr>
           <a:lstStyle>
             <a:lvl1pPr>
-              <a:defRPr lang="en-US" sz="9600" b="0" strike="noStrike" kern="1200" cap="none" spc="-400" normalizeH="0" baseline="0" dirty="0">
+              <a:defRPr lang="en-US" sz="11200" b="0" strike="noStrike" kern="1200" cap="none" spc="-400" normalizeH="0" baseline="0" dirty="0">
                 <a:solidFill>
                   <a:schemeClr val="bg1"/>
                 </a:solidFill>
@@ -2763,13 +2763,13 @@
   <p:clrMapOvr>
     <a:masterClrMapping/>
   </p:clrMapOvr>
-  <mc:AlternateContent xmlns:mc="http://schemas.openxmlformats.org/markup-compatibility/2006">
-    <mc:Choice xmlns:p14="http://schemas.microsoft.com/office/powerpoint/2010/main" Requires="p14">
+  <mc:AlternateContent xmlns:mc="http://schemas.openxmlformats.org/markup-compatibility/2006" xmlns:p14="http://schemas.microsoft.com/office/powerpoint/2010/main">
+    <mc:Choice Requires="p14">
       <p:transition p14:dur="80">
         <p:fade/>
       </p:transition>
     </mc:Choice>
-    <mc:Fallback>
+    <mc:Fallback xmlns="">
       <p:transition>
         <p:fade/>
       </p:transition>
@@ -2819,7 +2819,7 @@
           <a:p>
             <a:fld id="{9DCBC028-F1E9-4553-A84E-44234CAB717B}" type="datetimeFigureOut">
               <a:rPr lang="en-US" smtClean="0"/>
-              <a:t>9/10/2012</a:t>
+              <a:t>9/12/2012</a:t>
             </a:fld>
             <a:endParaRPr lang="en-US"/>
           </a:p>
@@ -2877,13 +2877,13 @@
   <p:clrMapOvr>
     <a:masterClrMapping/>
   </p:clrMapOvr>
-  <mc:AlternateContent xmlns:mc="http://schemas.openxmlformats.org/markup-compatibility/2006">
-    <mc:Choice xmlns:p14="http://schemas.microsoft.com/office/powerpoint/2010/main" Requires="p14">
+  <mc:AlternateContent xmlns:mc="http://schemas.openxmlformats.org/markup-compatibility/2006" xmlns:p14="http://schemas.microsoft.com/office/powerpoint/2010/main">
+    <mc:Choice Requires="p14">
       <p:transition p14:dur="80">
         <p:fade/>
       </p:transition>
     </mc:Choice>
-    <mc:Fallback>
+    <mc:Fallback xmlns="">
       <p:transition>
         <p:fade/>
       </p:transition>
@@ -3108,7 +3108,7 @@
           <a:p>
             <a:fld id="{9DCBC028-F1E9-4553-A84E-44234CAB717B}" type="datetimeFigureOut">
               <a:rPr lang="en-US" smtClean="0"/>
-              <a:t>9/10/2012</a:t>
+              <a:t>9/12/2012</a:t>
             </a:fld>
             <a:endParaRPr lang="en-US"/>
           </a:p>
@@ -3166,13 +3166,13 @@
   <p:clrMapOvr>
     <a:masterClrMapping/>
   </p:clrMapOvr>
-  <mc:AlternateContent xmlns:mc="http://schemas.openxmlformats.org/markup-compatibility/2006">
-    <mc:Choice xmlns:p14="http://schemas.microsoft.com/office/powerpoint/2010/main" Requires="p14">
+  <mc:AlternateContent xmlns:mc="http://schemas.openxmlformats.org/markup-compatibility/2006" xmlns:p14="http://schemas.microsoft.com/office/powerpoint/2010/main">
+    <mc:Choice Requires="p14">
       <p:transition p14:dur="80">
         <p:fade/>
       </p:transition>
     </mc:Choice>
-    <mc:Fallback>
+    <mc:Fallback xmlns="">
       <p:transition>
         <p:fade/>
       </p:transition>
@@ -3264,7 +3264,7 @@
         <p:nvSpPr>
           <p:cNvPr id="3" name="Picture Placeholder 2"/>
           <p:cNvSpPr>
-            <a:spLocks noGrp="1"/>
+            <a:spLocks noGrp="1" noChangeAspect="1"/>
           </p:cNvSpPr>
           <p:nvPr>
             <p:ph type="pic" idx="1"/>
@@ -3338,13 +3338,13 @@
   <p:clrMapOvr>
     <a:masterClrMapping/>
   </p:clrMapOvr>
-  <mc:AlternateContent xmlns:mc="http://schemas.openxmlformats.org/markup-compatibility/2006">
-    <mc:Choice xmlns:p14="http://schemas.microsoft.com/office/powerpoint/2010/main" Requires="p14">
+  <mc:AlternateContent xmlns:mc="http://schemas.openxmlformats.org/markup-compatibility/2006" xmlns:p14="http://schemas.microsoft.com/office/powerpoint/2010/main">
+    <mc:Choice Requires="p14">
       <p:transition p14:dur="80">
         <p:fade/>
       </p:transition>
     </mc:Choice>
-    <mc:Fallback>
+    <mc:Fallback xmlns="">
       <p:transition>
         <p:fade/>
       </p:transition>
@@ -3521,7 +3521,7 @@
             <a:fld id="{9DCBC028-F1E9-4553-A84E-44234CAB717B}" type="datetimeFigureOut">
               <a:rPr lang="en-US" smtClean="0"/>
               <a:pPr/>
-              <a:t>9/10/2012</a:t>
+              <a:t>9/12/2012</a:t>
             </a:fld>
             <a:endParaRPr lang="en-US"/>
           </a:p>
@@ -3713,13 +3713,13 @@
     <p:sldLayoutId id="2147483658" r:id="rId10"/>
     <p:sldLayoutId id="2147483659" r:id="rId11"/>
   </p:sldLayoutIdLst>
-  <mc:AlternateContent xmlns:mc="http://schemas.openxmlformats.org/markup-compatibility/2006">
-    <mc:Choice xmlns:p14="http://schemas.microsoft.com/office/powerpoint/2010/main" Requires="p14">
+  <mc:AlternateContent xmlns:mc="http://schemas.openxmlformats.org/markup-compatibility/2006" xmlns:p14="http://schemas.microsoft.com/office/powerpoint/2010/main">
+    <mc:Choice Requires="p14">
       <p:transition p14:dur="80">
         <p:fade/>
       </p:transition>
     </mc:Choice>
-    <mc:Fallback>
+    <mc:Fallback xmlns="">
       <p:transition>
         <p:fade/>
       </p:transition>
@@ -4573,13 +4573,13 @@
   <p:clrMapOvr>
     <a:masterClrMapping/>
   </p:clrMapOvr>
-  <mc:AlternateContent xmlns:mc="http://schemas.openxmlformats.org/markup-compatibility/2006">
-    <mc:Choice xmlns:p14="http://schemas.microsoft.com/office/powerpoint/2010/main" Requires="p14">
+  <mc:AlternateContent xmlns:mc="http://schemas.openxmlformats.org/markup-compatibility/2006" xmlns:p14="http://schemas.microsoft.com/office/powerpoint/2010/main">
+    <mc:Choice Requires="p14">
       <p:transition p14:dur="80">
         <p:fade/>
       </p:transition>
     </mc:Choice>
-    <mc:Fallback>
+    <mc:Fallback xmlns="">
       <p:transition>
         <p:fade/>
       </p:transition>
@@ -4713,13 +4713,13 @@
   <p:clrMapOvr>
     <a:masterClrMapping/>
   </p:clrMapOvr>
-  <mc:AlternateContent xmlns:mc="http://schemas.openxmlformats.org/markup-compatibility/2006">
-    <mc:Choice xmlns:p14="http://schemas.microsoft.com/office/powerpoint/2010/main" Requires="p14">
+  <mc:AlternateContent xmlns:mc="http://schemas.openxmlformats.org/markup-compatibility/2006" xmlns:p14="http://schemas.microsoft.com/office/powerpoint/2010/main">
+    <mc:Choice Requires="p14">
       <p:transition p14:dur="80">
         <p:fade/>
       </p:transition>
     </mc:Choice>
-    <mc:Fallback>
+    <mc:Fallback xmlns="">
       <p:transition>
         <p:fade/>
       </p:transition>
@@ -4773,45 +4773,45 @@
       </p:sp>
       <p:sp>
         <p:nvSpPr>
-          <p:cNvPr id="3" name="Picture Placeholder 2"/>
-          <p:cNvSpPr>
-            <a:spLocks noGrp="1"/>
-          </p:cNvSpPr>
-          <p:nvPr>
-            <p:ph type="pic" idx="1"/>
+          <p:cNvPr id="3" name="Content Placeholder 2"/>
+          <p:cNvSpPr>
+            <a:spLocks noGrp="1"/>
+          </p:cNvSpPr>
+          <p:nvPr>
+            <p:ph idx="1"/>
           </p:nvPr>
         </p:nvSpPr>
         <p:spPr/>
+        <p:txBody>
+          <a:bodyPr/>
+          <a:lstStyle/>
+          <a:p>
+            <a:endParaRPr lang="en-US"/>
+          </a:p>
+        </p:txBody>
       </p:sp>
     </p:spTree>
     <p:extLst>
       <p:ext uri="{BB962C8B-B14F-4D97-AF65-F5344CB8AC3E}">
-        <p14:creationId xmlns:p14="http://schemas.microsoft.com/office/powerpoint/2010/main" val="2342813386"/>
+        <p14:creationId xmlns:p14="http://schemas.microsoft.com/office/powerpoint/2010/main" val="3827635785"/>
       </p:ext>
     </p:extLst>
   </p:cSld>
   <p:clrMapOvr>
     <a:masterClrMapping/>
   </p:clrMapOvr>
-  <mc:AlternateContent xmlns:mc="http://schemas.openxmlformats.org/markup-compatibility/2006">
-    <mc:Choice xmlns:p14="http://schemas.microsoft.com/office/powerpoint/2010/main" Requires="p14">
+  <mc:AlternateContent xmlns:mc="http://schemas.openxmlformats.org/markup-compatibility/2006" xmlns:p14="http://schemas.microsoft.com/office/powerpoint/2010/main">
+    <mc:Choice Requires="p14">
       <p:transition p14:dur="80">
         <p:fade/>
       </p:transition>
     </mc:Choice>
-    <mc:Fallback>
+    <mc:Fallback xmlns="">
       <p:transition>
         <p:fade/>
       </p:transition>
     </mc:Fallback>
   </mc:AlternateContent>
-  <p:timing>
-    <p:tnLst>
-      <p:par>
-        <p:cTn id="1" dur="indefinite" restart="never" nodeType="tmRoot"/>
-      </p:par>
-    </p:tnLst>
-  </p:timing>
 </p:sld>
 </file>
 
@@ -4847,39 +4847,68 @@
           <a:bodyPr/>
           <a:lstStyle/>
           <a:p>
-            <a:endParaRPr lang="en-US"/>
-          </a:p>
-        </p:txBody>
-      </p:sp>
-      <p:sp>
-        <p:nvSpPr>
-          <p:cNvPr id="3" name="Picture Placeholder 2"/>
-          <p:cNvSpPr>
-            <a:spLocks noGrp="1"/>
-          </p:cNvSpPr>
-          <p:nvPr>
-            <p:ph type="pic" idx="1"/>
-          </p:nvPr>
-        </p:nvSpPr>
-        <p:spPr/>
-      </p:sp>
+            <a:r>
+              <a:rPr lang="en-US" dirty="0" smtClean="0"/>
+              <a:t>intro screen</a:t>
+            </a:r>
+            <a:endParaRPr lang="en-US" dirty="0"/>
+          </a:p>
+        </p:txBody>
+      </p:sp>
+      <p:pic>
+        <p:nvPicPr>
+          <p:cNvPr id="8" name="Picture 7"/>
+          <p:cNvPicPr>
+            <a:picLocks noChangeAspect="1"/>
+          </p:cNvPicPr>
+          <p:nvPr/>
+        </p:nvPicPr>
+        <p:blipFill>
+          <a:blip r:embed="rId2" cstate="print">
+            <a:extLst>
+              <a:ext uri="{28A0092B-C50C-407E-A947-70E740481C1C}">
+                <a14:useLocalDpi xmlns:a14="http://schemas.microsoft.com/office/drawing/2010/main" val="0"/>
+              </a:ext>
+            </a:extLst>
+          </a:blip>
+          <a:stretch>
+            <a:fillRect/>
+          </a:stretch>
+        </p:blipFill>
+        <p:spPr>
+          <a:xfrm>
+            <a:off x="3102634" y="263904"/>
+            <a:ext cx="2927230" cy="5203964"/>
+          </a:xfrm>
+          <a:prstGeom prst="rect">
+            <a:avLst/>
+          </a:prstGeom>
+          <a:effectLst>
+            <a:glow rad="101600">
+              <a:srgbClr val="8A9AA1">
+                <a:alpha val="36000"/>
+              </a:srgbClr>
+            </a:glow>
+          </a:effectLst>
+        </p:spPr>
+      </p:pic>
     </p:spTree>
     <p:extLst>
       <p:ext uri="{BB962C8B-B14F-4D97-AF65-F5344CB8AC3E}">
-        <p14:creationId xmlns:p14="http://schemas.microsoft.com/office/powerpoint/2010/main" val="2632864066"/>
+        <p14:creationId xmlns:p14="http://schemas.microsoft.com/office/powerpoint/2010/main" val="1872965850"/>
       </p:ext>
     </p:extLst>
   </p:cSld>
   <p:clrMapOvr>
     <a:masterClrMapping/>
   </p:clrMapOvr>
-  <mc:AlternateContent xmlns:mc="http://schemas.openxmlformats.org/markup-compatibility/2006">
-    <mc:Choice xmlns:p14="http://schemas.microsoft.com/office/powerpoint/2010/main" Requires="p14">
+  <mc:AlternateContent xmlns:mc="http://schemas.openxmlformats.org/markup-compatibility/2006" xmlns:p14="http://schemas.microsoft.com/office/powerpoint/2010/main">
+    <mc:Choice Requires="p14">
       <p:transition p14:dur="80">
         <p:fade/>
       </p:transition>
     </mc:Choice>
-    <mc:Fallback>
+    <mc:Fallback xmlns="">
       <p:transition>
         <p:fade/>
       </p:transition>
@@ -4924,16 +4953,14 @@
         </p:nvSpPr>
         <p:spPr/>
         <p:txBody>
-          <a:bodyPr>
-            <a:normAutofit/>
-          </a:bodyPr>
+          <a:bodyPr/>
           <a:lstStyle/>
           <a:p>
             <a:r>
-              <a:rPr lang="en-US" sz="25600" dirty="0" smtClean="0"/>
-              <a:t>?</a:t>
-            </a:r>
-            <a:endParaRPr lang="en-US" sz="25600" dirty="0"/>
+              <a:rPr lang="en-US" dirty="0" smtClean="0"/>
+              <a:t>questions?</a:t>
+            </a:r>
+            <a:endParaRPr lang="en-US" dirty="0"/>
           </a:p>
         </p:txBody>
       </p:sp>
@@ -4947,13 +4974,13 @@
   <p:clrMapOvr>
     <a:masterClrMapping/>
   </p:clrMapOvr>
-  <mc:AlternateContent xmlns:mc="http://schemas.openxmlformats.org/markup-compatibility/2006">
-    <mc:Choice xmlns:p14="http://schemas.microsoft.com/office/powerpoint/2010/main" Requires="p14">
+  <mc:AlternateContent xmlns:mc="http://schemas.openxmlformats.org/markup-compatibility/2006" xmlns:p14="http://schemas.microsoft.com/office/powerpoint/2010/main">
+    <mc:Choice Requires="p14">
       <p:transition p14:dur="80">
         <p:fade/>
       </p:transition>
     </mc:Choice>
-    <mc:Fallback>
+    <mc:Fallback xmlns="">
       <p:transition>
         <p:fade/>
       </p:transition>

--- a/documents/PresentationConcept.pptx
+++ b/documents/PresentationConcept.pptx
@@ -1485,10 +1485,10 @@
           <a:p>
             <a:pPr lvl="0"/>
             <a:r>
-              <a:rPr lang="en-US" smtClean="0"/>
+              <a:rPr lang="en-US" dirty="0" smtClean="0"/>
               <a:t>Click to edit Master title style</a:t>
             </a:r>
-            <a:endParaRPr lang="en-US"/>
+            <a:endParaRPr lang="en-US" dirty="0"/>
           </a:p>
         </p:txBody>
       </p:sp>
@@ -3401,12 +3401,27 @@
         </p:nvSpPr>
         <p:spPr>
           <a:xfrm>
-            <a:off x="457200" y="274639"/>
-            <a:ext cx="8229600" cy="1143000"/>
+            <a:off x="-76200" y="274639"/>
+            <a:ext cx="9296400" cy="1143000"/>
           </a:xfrm>
           <a:prstGeom prst="rect">
             <a:avLst/>
           </a:prstGeom>
+          <a:blipFill dpi="0" rotWithShape="1">
+            <a:blip r:embed="rId14"/>
+            <a:srcRect/>
+            <a:tile tx="0" ty="0" sx="100000" sy="100000" flip="none" algn="tl"/>
+          </a:blipFill>
+          <a:effectLst>
+            <a:glow rad="101600">
+              <a:srgbClr val="8A9AA1">
+                <a:alpha val="52000"/>
+              </a:srgbClr>
+            </a:glow>
+            <a:innerShdw blurRad="406400">
+              <a:prstClr val="black"/>
+            </a:innerShdw>
+          </a:effectLst>
         </p:spPr>
         <p:txBody>
           <a:bodyPr vert="horz" lIns="91440" tIns="45720" rIns="91440" bIns="45720" rtlCol="0" anchor="ctr">
@@ -3415,10 +3430,10 @@
           <a:lstStyle/>
           <a:p>
             <a:r>
-              <a:rPr lang="en-US" smtClean="0"/>
+              <a:rPr lang="en-US" dirty="0" smtClean="0"/>
               <a:t>Click to edit Master title style</a:t>
             </a:r>
-            <a:endParaRPr lang="en-US"/>
+            <a:endParaRPr lang="en-US" dirty="0"/>
           </a:p>
         </p:txBody>
       </p:sp>
@@ -3739,11 +3754,18 @@
           <a:spcPct val="0"/>
         </a:spcBef>
         <a:buNone/>
-        <a:defRPr sz="4400" kern="1200">
+        <a:defRPr sz="4400" kern="1200" spc="-150">
           <a:solidFill>
-            <a:schemeClr val="tx1"/>
+            <a:schemeClr val="bg1"/>
           </a:solidFill>
-          <a:latin typeface="Helvetica LT Std" pitchFamily="34" charset="0"/>
+          <a:effectLst>
+            <a:outerShdw blurRad="38100" dist="38100" dir="2700000" algn="tl">
+              <a:srgbClr val="000000">
+                <a:alpha val="43137"/>
+              </a:srgbClr>
+            </a:outerShdw>
+          </a:effectLst>
+          <a:latin typeface="HelveticaNeueLT Com 95 Blk" pitchFamily="34" charset="0"/>
           <a:ea typeface="+mj-ea"/>
           <a:cs typeface="+mj-cs"/>
         </a:defRPr>
@@ -3756,7 +3778,7 @@
         </a:spcBef>
         <a:buFontTx/>
         <a:buBlip>
-          <a:blip r:embed="rId14"/>
+          <a:blip r:embed="rId15"/>
         </a:buBlip>
         <a:defRPr sz="3200" kern="1200">
           <a:solidFill>
@@ -3773,7 +3795,7 @@
         </a:spcBef>
         <a:buFontTx/>
         <a:buBlip>
-          <a:blip r:embed="rId15"/>
+          <a:blip r:embed="rId16"/>
         </a:buBlip>
         <a:defRPr sz="2800" kern="1200">
           <a:solidFill>
@@ -3790,7 +3812,7 @@
         </a:spcBef>
         <a:buFontTx/>
         <a:buBlip>
-          <a:blip r:embed="rId16"/>
+          <a:blip r:embed="rId17"/>
         </a:buBlip>
         <a:defRPr sz="2400" kern="1200">
           <a:solidFill>
@@ -3807,7 +3829,7 @@
         </a:spcBef>
         <a:buFontTx/>
         <a:buBlip>
-          <a:blip r:embed="rId17"/>
+          <a:blip r:embed="rId18"/>
         </a:buBlip>
         <a:defRPr sz="2000" kern="1200">
           <a:solidFill>
@@ -3824,7 +3846,7 @@
         </a:spcBef>
         <a:buFontTx/>
         <a:buBlip>
-          <a:blip r:embed="rId18"/>
+          <a:blip r:embed="rId19"/>
         </a:buBlip>
         <a:defRPr sz="2000" kern="1200">
           <a:solidFill>
@@ -4767,7 +4789,11 @@
           <a:bodyPr/>
           <a:lstStyle/>
           <a:p>
-            <a:endParaRPr lang="en-US"/>
+            <a:r>
+              <a:rPr lang="en-US" dirty="0" smtClean="0"/>
+              <a:t>what’s it do?</a:t>
+            </a:r>
+            <a:endParaRPr lang="en-US" dirty="0"/>
           </a:p>
         </p:txBody>
       </p:sp>
@@ -4786,7 +4812,25 @@
           <a:bodyPr/>
           <a:lstStyle/>
           <a:p>
-            <a:endParaRPr lang="en-US"/>
+            <a:r>
+              <a:rPr lang="en-US" dirty="0" smtClean="0"/>
+              <a:t>Users log in through Facebook and then challenge their Facebook friends to a game of checkers</a:t>
+            </a:r>
+          </a:p>
+          <a:p>
+            <a:pPr lvl="1"/>
+            <a:r>
+              <a:rPr lang="en-US" dirty="0" smtClean="0"/>
+              <a:t>Push notification will be sent out to the user’s phone that is receiving the move to alert them of their turn</a:t>
+            </a:r>
+            <a:endParaRPr lang="en-US" dirty="0" smtClean="0"/>
+          </a:p>
+          <a:p>
+            <a:r>
+              <a:rPr lang="en-US" dirty="0" smtClean="0"/>
+              <a:t>To put it very simply, take Words with Friends but replace scrabble with checkers</a:t>
+            </a:r>
+            <a:endParaRPr lang="en-US" dirty="0"/>
           </a:p>
         </p:txBody>
       </p:sp>
@@ -4812,6 +4856,13 @@
       </p:transition>
     </mc:Fallback>
   </mc:AlternateContent>
+  <p:timing>
+    <p:tnLst>
+      <p:par>
+        <p:cTn id="1" dur="indefinite" restart="never" nodeType="tmRoot"/>
+      </p:par>
+    </p:tnLst>
+  </p:timing>
 </p:sld>
 </file>
 
